--- a/DEVSQL_07_Triggers/DEVSQL_07_Triggers.pptx
+++ b/DEVSQL_07_Triggers/DEVSQL_07_Triggers.pptx
@@ -5,19 +5,26 @@
     <p:sldMasterId id="2147483903" r:id="rId1"/>
   </p:sldMasterIdLst>
   <p:notesMasterIdLst>
-    <p:notesMasterId r:id="rId12"/>
+    <p:notesMasterId r:id="rId19"/>
   </p:notesMasterIdLst>
   <p:sldIdLst>
     <p:sldId id="256" r:id="rId2"/>
-    <p:sldId id="301" r:id="rId3"/>
-    <p:sldId id="319" r:id="rId4"/>
-    <p:sldId id="302" r:id="rId5"/>
-    <p:sldId id="306" r:id="rId6"/>
-    <p:sldId id="317" r:id="rId7"/>
-    <p:sldId id="318" r:id="rId8"/>
-    <p:sldId id="320" r:id="rId9"/>
-    <p:sldId id="321" r:id="rId10"/>
-    <p:sldId id="322" r:id="rId11"/>
+    <p:sldId id="324" r:id="rId3"/>
+    <p:sldId id="323" r:id="rId4"/>
+    <p:sldId id="319" r:id="rId5"/>
+    <p:sldId id="302" r:id="rId6"/>
+    <p:sldId id="326" r:id="rId7"/>
+    <p:sldId id="306" r:id="rId8"/>
+    <p:sldId id="317" r:id="rId9"/>
+    <p:sldId id="318" r:id="rId10"/>
+    <p:sldId id="330" r:id="rId11"/>
+    <p:sldId id="320" r:id="rId12"/>
+    <p:sldId id="321" r:id="rId13"/>
+    <p:sldId id="331" r:id="rId14"/>
+    <p:sldId id="322" r:id="rId15"/>
+    <p:sldId id="325" r:id="rId16"/>
+    <p:sldId id="328" r:id="rId17"/>
+    <p:sldId id="329" r:id="rId18"/>
   </p:sldIdLst>
   <p:sldSz cx="12192000" cy="6858000"/>
   <p:notesSz cx="6858000" cy="9144000"/>
@@ -233,7 +240,7 @@
           <a:p>
             <a:fld id="{A72FB546-F199-4B4F-99BF-57E72CB8BE0D}" type="datetimeFigureOut">
               <a:rPr lang="en-GB" smtClean="0"/>
-              <a:t>05/10/2018</a:t>
+              <a:t>29/10/2018</a:t>
             </a:fld>
             <a:endParaRPr lang="en-GB"/>
           </a:p>
@@ -809,7 +816,7 @@
           <a:p>
             <a:fld id="{8F5C5A19-0259-4008-82B8-E579B45D79F5}" type="datetime1">
               <a:rPr lang="en-US" smtClean="0"/>
-              <a:t>10/5/2018</a:t>
+              <a:t>10/29/2018</a:t>
             </a:fld>
             <a:endParaRPr lang="en-US" dirty="0"/>
           </a:p>
@@ -984,7 +991,7 @@
           <a:p>
             <a:fld id="{18D244E9-F55E-452A-A157-900C75C76DE4}" type="datetime1">
               <a:rPr lang="en-US" smtClean="0"/>
-              <a:t>10/5/2018</a:t>
+              <a:t>10/29/2018</a:t>
             </a:fld>
             <a:endParaRPr lang="en-US" dirty="0"/>
           </a:p>
@@ -1168,7 +1175,7 @@
           <a:p>
             <a:fld id="{A0F14636-1852-478E-B88B-A20D9D08F17F}" type="datetime1">
               <a:rPr lang="en-US" smtClean="0"/>
-              <a:t>10/5/2018</a:t>
+              <a:t>10/29/2018</a:t>
             </a:fld>
             <a:endParaRPr lang="en-US" dirty="0"/>
           </a:p>
@@ -1342,7 +1349,7 @@
           <a:p>
             <a:fld id="{0596FF30-9E96-4D99-BDC0-4F352307BC9A}" type="datetime1">
               <a:rPr lang="en-US" smtClean="0"/>
-              <a:t>10/5/2018</a:t>
+              <a:t>10/29/2018</a:t>
             </a:fld>
             <a:endParaRPr lang="en-US" dirty="0"/>
           </a:p>
@@ -1604,7 +1611,7 @@
           <a:p>
             <a:fld id="{B4F03C6F-A2AA-4AC3-BB3F-9613883193E7}" type="datetime1">
               <a:rPr lang="en-US" smtClean="0"/>
-              <a:t>10/5/2018</a:t>
+              <a:t>10/29/2018</a:t>
             </a:fld>
             <a:endParaRPr lang="en-US" dirty="0"/>
           </a:p>
@@ -1897,7 +1904,7 @@
           <a:p>
             <a:fld id="{A8848952-D2A9-43F4-94FD-1641BE3CB00A}" type="datetime1">
               <a:rPr lang="en-US" smtClean="0"/>
-              <a:t>10/5/2018</a:t>
+              <a:t>10/29/2018</a:t>
             </a:fld>
             <a:endParaRPr lang="en-US" dirty="0"/>
           </a:p>
@@ -2343,7 +2350,7 @@
           <a:p>
             <a:fld id="{C3A63927-861A-4F6D-BA7A-4F7C9248A08A}" type="datetime1">
               <a:rPr lang="en-US" smtClean="0"/>
-              <a:t>10/5/2018</a:t>
+              <a:t>10/29/2018</a:t>
             </a:fld>
             <a:endParaRPr lang="en-US" dirty="0"/>
           </a:p>
@@ -2465,7 +2472,7 @@
           <a:p>
             <a:fld id="{AA61F162-4C50-4C6B-A4E1-7618BDB58C54}" type="datetime1">
               <a:rPr lang="en-US" smtClean="0"/>
-              <a:t>10/5/2018</a:t>
+              <a:t>10/29/2018</a:t>
             </a:fld>
             <a:endParaRPr lang="en-US" dirty="0"/>
           </a:p>
@@ -2564,7 +2571,7 @@
           <a:p>
             <a:fld id="{EAF1CF70-5C20-403D-8F8C-1DCFAC668BE5}" type="datetime1">
               <a:rPr lang="en-US" smtClean="0"/>
-              <a:t>10/5/2018</a:t>
+              <a:t>10/29/2018</a:t>
             </a:fld>
             <a:endParaRPr lang="en-US" dirty="0"/>
           </a:p>
@@ -2856,7 +2863,7 @@
           <a:p>
             <a:fld id="{A2F4E2C0-DE5F-40CE-87AC-957B68F44502}" type="datetime1">
               <a:rPr lang="en-US" smtClean="0"/>
-              <a:t>10/5/2018</a:t>
+              <a:t>10/29/2018</a:t>
             </a:fld>
             <a:endParaRPr lang="en-US" dirty="0"/>
           </a:p>
@@ -3134,7 +3141,7 @@
           <a:p>
             <a:fld id="{B7AA99CF-EEF1-429A-8265-E0F25B198809}" type="datetime1">
               <a:rPr lang="en-US" smtClean="0"/>
-              <a:t>10/5/2018</a:t>
+              <a:t>10/29/2018</a:t>
             </a:fld>
             <a:endParaRPr lang="en-US" dirty="0"/>
           </a:p>
@@ -3436,7 +3443,7 @@
           <a:p>
             <a:fld id="{816CCB30-9B62-422C-B0EF-8A134453CD64}" type="datetime1">
               <a:rPr lang="en-US" smtClean="0"/>
-              <a:t>10/5/2018</a:t>
+              <a:t>10/29/2018</a:t>
             </a:fld>
             <a:endParaRPr lang="en-US" dirty="0"/>
           </a:p>
@@ -4013,7 +4020,7 @@
         <p:spPr>
           <a:xfrm>
             <a:off x="489706" y="624631"/>
-            <a:ext cx="10374037" cy="3293209"/>
+            <a:ext cx="10374037" cy="523220"/>
           </a:xfrm>
           <a:prstGeom prst="rect">
             <a:avLst/>
@@ -4028,68 +4035,13 @@
           <a:p>
             <a:r>
               <a:rPr lang="pl-PL" sz="2800" b="1" dirty="0"/>
-              <a:t>DML TRIGGER </a:t>
-            </a:r>
-            <a:r>
-              <a:rPr lang="pl-PL" sz="2800" b="1" dirty="0" err="1"/>
-              <a:t>Functions</a:t>
+              <a:t>AFTER </a:t>
+            </a:r>
+            <a:r>
+              <a:rPr lang="pl-PL" sz="2800" b="1" dirty="0" smtClean="0"/>
+              <a:t>Triggers</a:t>
             </a:r>
             <a:endParaRPr lang="en-US" sz="2800" b="1" dirty="0"/>
-          </a:p>
-          <a:p>
-            <a:endParaRPr lang="en-US" dirty="0"/>
-          </a:p>
-          <a:p>
-            <a:r>
-              <a:rPr lang="en-US" dirty="0"/>
-              <a:t>You can use two functions in your trigger code to get information about what is going on:</a:t>
-            </a:r>
-            <a:endParaRPr lang="pl-PL" dirty="0"/>
-          </a:p>
-          <a:p>
-            <a:endParaRPr lang="en-US" dirty="0"/>
-          </a:p>
-          <a:p>
-            <a:r>
-              <a:rPr lang="en-US" b="1" dirty="0"/>
-              <a:t>UPDATE() </a:t>
-            </a:r>
-            <a:endParaRPr lang="pl-PL" b="1" dirty="0"/>
-          </a:p>
-          <a:p>
-            <a:pPr lvl="1"/>
-            <a:r>
-              <a:rPr lang="en-US" dirty="0"/>
-              <a:t>You can use this function to determine whether a particular column has been referenced by an INSERT or UPDATE statement.</a:t>
-            </a:r>
-            <a:endParaRPr lang="pl-PL" dirty="0"/>
-          </a:p>
-          <a:p>
-            <a:pPr lvl="1"/>
-            <a:endParaRPr lang="en-US" dirty="0"/>
-          </a:p>
-          <a:p>
-            <a:r>
-              <a:rPr lang="en-US" b="1" dirty="0"/>
-              <a:t>COLUMNS_UPDATED()</a:t>
-            </a:r>
-            <a:endParaRPr lang="pl-PL" b="1" dirty="0"/>
-          </a:p>
-          <a:p>
-            <a:pPr lvl="1"/>
-            <a:r>
-              <a:rPr lang="en-US" dirty="0"/>
-              <a:t>You can use this function if you know the sequence number</a:t>
-            </a:r>
-            <a:r>
-              <a:rPr lang="pl-PL" dirty="0"/>
-              <a:t> </a:t>
-            </a:r>
-            <a:r>
-              <a:rPr lang="en-US" dirty="0"/>
-              <a:t>of the column in the table. It requires you to use the bitwise AND operation (&amp;) to see whether a column was updated.</a:t>
-            </a:r>
-            <a:endParaRPr lang="pl-PL" dirty="0"/>
           </a:p>
         </p:txBody>
       </p:sp>
@@ -4149,10 +4101,1194 @@
           </a:p>
         </p:txBody>
       </p:sp>
+      <p:pic>
+        <p:nvPicPr>
+          <p:cNvPr id="2" name="Picture 1"/>
+          <p:cNvPicPr>
+            <a:picLocks noChangeAspect="1"/>
+          </p:cNvPicPr>
+          <p:nvPr/>
+        </p:nvPicPr>
+        <p:blipFill>
+          <a:blip r:embed="rId2"/>
+          <a:stretch>
+            <a:fillRect/>
+          </a:stretch>
+        </p:blipFill>
+        <p:spPr>
+          <a:xfrm>
+            <a:off x="489706" y="1456575"/>
+            <a:ext cx="8324850" cy="4591050"/>
+          </a:xfrm>
+          <a:prstGeom prst="rect">
+            <a:avLst/>
+          </a:prstGeom>
+          <a:ln>
+            <a:noFill/>
+          </a:ln>
+          <a:effectLst>
+            <a:outerShdw blurRad="292100" dist="139700" dir="2700000" algn="tl" rotWithShape="0">
+              <a:srgbClr val="333333">
+                <a:alpha val="65000"/>
+              </a:srgbClr>
+            </a:outerShdw>
+          </a:effectLst>
+        </p:spPr>
+      </p:pic>
+    </p:spTree>
+    <p:extLst>
+      <p:ext uri="{BB962C8B-B14F-4D97-AF65-F5344CB8AC3E}">
+        <p14:creationId xmlns:p14="http://schemas.microsoft.com/office/powerpoint/2010/main" val="1900168145"/>
+      </p:ext>
+    </p:extLst>
+  </p:cSld>
+  <p:clrMapOvr>
+    <a:masterClrMapping/>
+  </p:clrMapOvr>
+</p:sld>
+</file>
+
+<file path=ppt/slides/slide11.xml><?xml version="1.0" encoding="utf-8"?>
+<p:sld xmlns:a="http://schemas.openxmlformats.org/drawingml/2006/main" xmlns:r="http://schemas.openxmlformats.org/officeDocument/2006/relationships" xmlns:p="http://schemas.openxmlformats.org/presentationml/2006/main">
+  <p:cSld>
+    <p:spTree>
+      <p:nvGrpSpPr>
+        <p:cNvPr id="1" name=""/>
+        <p:cNvGrpSpPr/>
+        <p:nvPr/>
+      </p:nvGrpSpPr>
+      <p:grpSpPr>
+        <a:xfrm>
+          <a:off x="0" y="0"/>
+          <a:ext cx="0" cy="0"/>
+          <a:chOff x="0" y="0"/>
+          <a:chExt cx="0" cy="0"/>
+        </a:xfrm>
+      </p:grpSpPr>
+      <p:sp>
+        <p:nvSpPr>
+          <p:cNvPr id="9" name="pole tekstowe 8"/>
+          <p:cNvSpPr txBox="1"/>
+          <p:nvPr/>
+        </p:nvSpPr>
+        <p:spPr>
+          <a:xfrm>
+            <a:off x="489706" y="624631"/>
+            <a:ext cx="10374037" cy="1908215"/>
+          </a:xfrm>
+          <a:prstGeom prst="rect">
+            <a:avLst/>
+          </a:prstGeom>
+          <a:noFill/>
+        </p:spPr>
+        <p:txBody>
+          <a:bodyPr wrap="square" rtlCol="0">
+            <a:spAutoFit/>
+          </a:bodyPr>
+          <a:lstStyle/>
+          <a:p>
+            <a:r>
+              <a:rPr lang="pl-PL" sz="2800" b="1" dirty="0" err="1"/>
+              <a:t>Nested</a:t>
+            </a:r>
+            <a:r>
+              <a:rPr lang="pl-PL" sz="2800" b="1" dirty="0"/>
+              <a:t> AFTER </a:t>
+            </a:r>
+            <a:r>
+              <a:rPr lang="pl-PL" sz="2800" b="1" dirty="0" err="1"/>
+              <a:t>Triggers</a:t>
+            </a:r>
+            <a:endParaRPr lang="en-US" sz="2800" b="1" dirty="0"/>
+          </a:p>
+          <a:p>
+            <a:endParaRPr lang="en-US" dirty="0"/>
+          </a:p>
+          <a:p>
+            <a:r>
+              <a:rPr lang="pl-PL" dirty="0"/>
+              <a:t>A</a:t>
+            </a:r>
+            <a:r>
+              <a:rPr lang="en-US" dirty="0"/>
+              <a:t>FTER triggers can be nested—that is, you can have a trigger on Table A that updates Table</a:t>
+            </a:r>
+            <a:r>
+              <a:rPr lang="pl-PL" dirty="0"/>
+              <a:t> </a:t>
+            </a:r>
+            <a:r>
+              <a:rPr lang="en-US" dirty="0"/>
+              <a:t>B. Then Table B may have a trigger that is executed as well. The maximum depth of nested</a:t>
+            </a:r>
+            <a:r>
+              <a:rPr lang="pl-PL" dirty="0"/>
+              <a:t> </a:t>
+            </a:r>
+            <a:r>
+              <a:rPr lang="en-US" dirty="0"/>
+              <a:t>trigger executions is 32. If the nesting is circular (Table A's trigger fires Table B's trigger, which</a:t>
+            </a:r>
+            <a:r>
+              <a:rPr lang="pl-PL" dirty="0"/>
+              <a:t> </a:t>
+            </a:r>
+            <a:r>
+              <a:rPr lang="en-US" dirty="0"/>
+              <a:t>fires Table C's trigger, which fires Table A's trigger, and so on), the maximum level of 32 will be</a:t>
+            </a:r>
+            <a:r>
+              <a:rPr lang="pl-PL" dirty="0"/>
+              <a:t> </a:t>
+            </a:r>
+            <a:r>
+              <a:rPr lang="en-US" dirty="0"/>
+              <a:t>reached and the trigger execution will stop.</a:t>
+            </a:r>
+            <a:endParaRPr lang="pl-PL" dirty="0"/>
+          </a:p>
+        </p:txBody>
+      </p:sp>
+      <p:sp>
+        <p:nvSpPr>
+          <p:cNvPr id="11" name="Symbol zastępczy numeru slajdu 10"/>
+          <p:cNvSpPr>
+            <a:spLocks noGrp="1"/>
+          </p:cNvSpPr>
+          <p:nvPr>
+            <p:ph type="sldNum" sz="quarter" idx="12"/>
+          </p:nvPr>
+        </p:nvSpPr>
+        <p:spPr>
+          <a:xfrm>
+            <a:off x="10634135" y="6356350"/>
+            <a:ext cx="1530927" cy="365125"/>
+          </a:xfrm>
+        </p:spPr>
+        <p:txBody>
+          <a:bodyPr/>
+          <a:lstStyle/>
+          <a:p>
+            <a:fld id="{4FAB73BC-B049-4115-A692-8D63A059BFB8}" type="slidenum">
+              <a:rPr lang="en-US" smtClean="0"/>
+              <a:t>11</a:t>
+            </a:fld>
+            <a:endParaRPr lang="en-US" dirty="0"/>
+          </a:p>
+        </p:txBody>
+      </p:sp>
+      <p:sp>
+        <p:nvSpPr>
+          <p:cNvPr id="12" name="Symbol zastępczy stopki 11"/>
+          <p:cNvSpPr>
+            <a:spLocks noGrp="1"/>
+          </p:cNvSpPr>
+          <p:nvPr>
+            <p:ph type="ftr" sz="quarter" idx="11"/>
+          </p:nvPr>
+        </p:nvSpPr>
+        <p:spPr>
+          <a:xfrm>
+            <a:off x="3869268" y="6356350"/>
+            <a:ext cx="5911517" cy="365125"/>
+          </a:xfrm>
+        </p:spPr>
+        <p:txBody>
+          <a:bodyPr/>
+          <a:lstStyle/>
+          <a:p>
+            <a:r>
+              <a:rPr lang="en-US" smtClean="0"/>
+              <a:t>Developing SQL Databases</a:t>
+            </a:r>
+            <a:endParaRPr lang="pl-PL" dirty="0"/>
+          </a:p>
+        </p:txBody>
+      </p:sp>
+    </p:spTree>
+    <p:extLst>
+      <p:ext uri="{BB962C8B-B14F-4D97-AF65-F5344CB8AC3E}">
+        <p14:creationId xmlns:p14="http://schemas.microsoft.com/office/powerpoint/2010/main" val="1040898400"/>
+      </p:ext>
+    </p:extLst>
+  </p:cSld>
+  <p:clrMapOvr>
+    <a:masterClrMapping/>
+  </p:clrMapOvr>
+</p:sld>
+</file>
+
+<file path=ppt/slides/slide12.xml><?xml version="1.0" encoding="utf-8"?>
+<p:sld xmlns:a="http://schemas.openxmlformats.org/drawingml/2006/main" xmlns:r="http://schemas.openxmlformats.org/officeDocument/2006/relationships" xmlns:p="http://schemas.openxmlformats.org/presentationml/2006/main">
+  <p:cSld>
+    <p:spTree>
+      <p:nvGrpSpPr>
+        <p:cNvPr id="1" name=""/>
+        <p:cNvGrpSpPr/>
+        <p:nvPr/>
+      </p:nvGrpSpPr>
+      <p:grpSpPr>
+        <a:xfrm>
+          <a:off x="0" y="0"/>
+          <a:ext cx="0" cy="0"/>
+          <a:chOff x="0" y="0"/>
+          <a:chExt cx="0" cy="0"/>
+        </a:xfrm>
+      </p:grpSpPr>
+      <p:sp>
+        <p:nvSpPr>
+          <p:cNvPr id="9" name="pole tekstowe 8"/>
+          <p:cNvSpPr txBox="1"/>
+          <p:nvPr/>
+        </p:nvSpPr>
+        <p:spPr>
+          <a:xfrm>
+            <a:off x="489706" y="624631"/>
+            <a:ext cx="10374037" cy="3847207"/>
+          </a:xfrm>
+          <a:prstGeom prst="rect">
+            <a:avLst/>
+          </a:prstGeom>
+          <a:noFill/>
+        </p:spPr>
+        <p:txBody>
+          <a:bodyPr wrap="square" rtlCol="0">
+            <a:spAutoFit/>
+          </a:bodyPr>
+          <a:lstStyle/>
+          <a:p>
+            <a:r>
+              <a:rPr lang="pl-PL" sz="2800" b="1" dirty="0"/>
+              <a:t>INSTEAD OF </a:t>
+            </a:r>
+            <a:r>
+              <a:rPr lang="pl-PL" sz="2800" b="1" dirty="0" err="1"/>
+              <a:t>Triggers</a:t>
+            </a:r>
+            <a:endParaRPr lang="en-US" sz="2800" b="1" dirty="0"/>
+          </a:p>
+          <a:p>
+            <a:endParaRPr lang="en-US" dirty="0"/>
+          </a:p>
+          <a:p>
+            <a:r>
+              <a:rPr lang="en-US" dirty="0"/>
+              <a:t>The INSTEAD OF trigger executes a batch of T-SQL code instead of the </a:t>
+            </a:r>
+            <a:r>
+              <a:rPr lang="en-US" b="1" dirty="0"/>
+              <a:t>INSERT, UPDATE, </a:t>
+            </a:r>
+            <a:r>
+              <a:rPr lang="en-US" dirty="0"/>
+              <a:t>or</a:t>
+            </a:r>
+            <a:r>
+              <a:rPr lang="pl-PL" dirty="0"/>
+              <a:t> </a:t>
+            </a:r>
+            <a:r>
+              <a:rPr lang="en-US" b="1" dirty="0"/>
+              <a:t>DELETE </a:t>
+            </a:r>
+            <a:r>
+              <a:rPr lang="en-US" dirty="0"/>
+              <a:t>statement. You can reissue the statement later in the code.</a:t>
+            </a:r>
+            <a:endParaRPr lang="pl-PL" dirty="0"/>
+          </a:p>
+          <a:p>
+            <a:endParaRPr lang="en-US" dirty="0"/>
+          </a:p>
+          <a:p>
+            <a:r>
+              <a:rPr lang="en-US" dirty="0"/>
+              <a:t>Although INSTEAD OF triggers can be created against both tables and views, they are</a:t>
+            </a:r>
+            <a:r>
+              <a:rPr lang="pl-PL" dirty="0"/>
+              <a:t> </a:t>
+            </a:r>
+            <a:r>
+              <a:rPr lang="en-US" dirty="0"/>
+              <a:t>commonly used with </a:t>
+            </a:r>
+            <a:r>
+              <a:rPr lang="en-US" dirty="0" smtClean="0"/>
+              <a:t>views.</a:t>
+            </a:r>
+            <a:endParaRPr lang="pl-PL" dirty="0" smtClean="0"/>
+          </a:p>
+          <a:p>
+            <a:endParaRPr lang="pl-PL" dirty="0"/>
+          </a:p>
+          <a:p>
+            <a:r>
+              <a:rPr lang="en-US" dirty="0" smtClean="0"/>
+              <a:t>The </a:t>
+            </a:r>
+            <a:r>
+              <a:rPr lang="en-US" dirty="0"/>
+              <a:t>reason is that when you send an UPDATE statement against a</a:t>
+            </a:r>
+            <a:r>
+              <a:rPr lang="pl-PL" dirty="0"/>
+              <a:t> </a:t>
+            </a:r>
+            <a:r>
+              <a:rPr lang="en-US" dirty="0"/>
+              <a:t>view, only one base table can be updated at a time. In addition, the view may have aggregations</a:t>
+            </a:r>
+            <a:r>
+              <a:rPr lang="pl-PL" dirty="0"/>
+              <a:t> </a:t>
+            </a:r>
+            <a:r>
+              <a:rPr lang="en-US" dirty="0"/>
+              <a:t>or functions on columns that prevent a direct update.</a:t>
+            </a:r>
+            <a:endParaRPr lang="pl-PL" dirty="0"/>
+          </a:p>
+          <a:p>
+            <a:endParaRPr lang="pl-PL" dirty="0"/>
+          </a:p>
+          <a:p>
+            <a:r>
+              <a:rPr lang="en-US" dirty="0"/>
+              <a:t>An INSTEAD OF trigger can take</a:t>
+            </a:r>
+            <a:r>
+              <a:rPr lang="pl-PL" dirty="0"/>
+              <a:t> </a:t>
+            </a:r>
+            <a:r>
+              <a:rPr lang="en-US" dirty="0"/>
+              <a:t>that UPDATE statement against the view and instead of executing it, replace it with two or</a:t>
+            </a:r>
+            <a:r>
+              <a:rPr lang="pl-PL" dirty="0"/>
+              <a:t> </a:t>
+            </a:r>
+            <a:r>
+              <a:rPr lang="en-US" dirty="0"/>
+              <a:t>more UPDATE statements against the base tables of the view.</a:t>
+            </a:r>
+            <a:endParaRPr lang="pl-PL" dirty="0"/>
+          </a:p>
+        </p:txBody>
+      </p:sp>
+      <p:sp>
+        <p:nvSpPr>
+          <p:cNvPr id="11" name="Symbol zastępczy numeru slajdu 10"/>
+          <p:cNvSpPr>
+            <a:spLocks noGrp="1"/>
+          </p:cNvSpPr>
+          <p:nvPr>
+            <p:ph type="sldNum" sz="quarter" idx="12"/>
+          </p:nvPr>
+        </p:nvSpPr>
+        <p:spPr>
+          <a:xfrm>
+            <a:off x="10634135" y="6356350"/>
+            <a:ext cx="1530927" cy="365125"/>
+          </a:xfrm>
+        </p:spPr>
+        <p:txBody>
+          <a:bodyPr/>
+          <a:lstStyle/>
+          <a:p>
+            <a:fld id="{4FAB73BC-B049-4115-A692-8D63A059BFB8}" type="slidenum">
+              <a:rPr lang="en-US" smtClean="0"/>
+              <a:t>12</a:t>
+            </a:fld>
+            <a:endParaRPr lang="en-US" dirty="0"/>
+          </a:p>
+        </p:txBody>
+      </p:sp>
+      <p:sp>
+        <p:nvSpPr>
+          <p:cNvPr id="12" name="Symbol zastępczy stopki 11"/>
+          <p:cNvSpPr>
+            <a:spLocks noGrp="1"/>
+          </p:cNvSpPr>
+          <p:nvPr>
+            <p:ph type="ftr" sz="quarter" idx="11"/>
+          </p:nvPr>
+        </p:nvSpPr>
+        <p:spPr>
+          <a:xfrm>
+            <a:off x="3869268" y="6356350"/>
+            <a:ext cx="5911517" cy="365125"/>
+          </a:xfrm>
+        </p:spPr>
+        <p:txBody>
+          <a:bodyPr/>
+          <a:lstStyle/>
+          <a:p>
+            <a:r>
+              <a:rPr lang="en-US" smtClean="0"/>
+              <a:t>Developing SQL Databases</a:t>
+            </a:r>
+            <a:endParaRPr lang="pl-PL" dirty="0"/>
+          </a:p>
+        </p:txBody>
+      </p:sp>
+    </p:spTree>
+    <p:extLst>
+      <p:ext uri="{BB962C8B-B14F-4D97-AF65-F5344CB8AC3E}">
+        <p14:creationId xmlns:p14="http://schemas.microsoft.com/office/powerpoint/2010/main" val="2815241566"/>
+      </p:ext>
+    </p:extLst>
+  </p:cSld>
+  <p:clrMapOvr>
+    <a:masterClrMapping/>
+  </p:clrMapOvr>
+</p:sld>
+</file>
+
+<file path=ppt/slides/slide13.xml><?xml version="1.0" encoding="utf-8"?>
+<p:sld xmlns:a="http://schemas.openxmlformats.org/drawingml/2006/main" xmlns:r="http://schemas.openxmlformats.org/officeDocument/2006/relationships" xmlns:p="http://schemas.openxmlformats.org/presentationml/2006/main">
+  <p:cSld>
+    <p:spTree>
+      <p:nvGrpSpPr>
+        <p:cNvPr id="1" name=""/>
+        <p:cNvGrpSpPr/>
+        <p:nvPr/>
+      </p:nvGrpSpPr>
+      <p:grpSpPr>
+        <a:xfrm>
+          <a:off x="0" y="0"/>
+          <a:ext cx="0" cy="0"/>
+          <a:chOff x="0" y="0"/>
+          <a:chExt cx="0" cy="0"/>
+        </a:xfrm>
+      </p:grpSpPr>
+      <p:sp>
+        <p:nvSpPr>
+          <p:cNvPr id="9" name="pole tekstowe 8"/>
+          <p:cNvSpPr txBox="1"/>
+          <p:nvPr/>
+        </p:nvSpPr>
+        <p:spPr>
+          <a:xfrm>
+            <a:off x="489706" y="624631"/>
+            <a:ext cx="10374037" cy="523220"/>
+          </a:xfrm>
+          <a:prstGeom prst="rect">
+            <a:avLst/>
+          </a:prstGeom>
+          <a:noFill/>
+        </p:spPr>
+        <p:txBody>
+          <a:bodyPr wrap="square" rtlCol="0">
+            <a:spAutoFit/>
+          </a:bodyPr>
+          <a:lstStyle/>
+          <a:p>
+            <a:r>
+              <a:rPr lang="pl-PL" sz="2800" b="1" dirty="0"/>
+              <a:t>INSTEAD OF </a:t>
+            </a:r>
+            <a:r>
+              <a:rPr lang="pl-PL" sz="2800" b="1" dirty="0" smtClean="0"/>
+              <a:t>Triggers</a:t>
+            </a:r>
+            <a:endParaRPr lang="en-US" sz="2800" b="1" dirty="0"/>
+          </a:p>
+        </p:txBody>
+      </p:sp>
+      <p:sp>
+        <p:nvSpPr>
+          <p:cNvPr id="11" name="Symbol zastępczy numeru slajdu 10"/>
+          <p:cNvSpPr>
+            <a:spLocks noGrp="1"/>
+          </p:cNvSpPr>
+          <p:nvPr>
+            <p:ph type="sldNum" sz="quarter" idx="12"/>
+          </p:nvPr>
+        </p:nvSpPr>
+        <p:spPr>
+          <a:xfrm>
+            <a:off x="10634135" y="6356350"/>
+            <a:ext cx="1530927" cy="365125"/>
+          </a:xfrm>
+        </p:spPr>
+        <p:txBody>
+          <a:bodyPr/>
+          <a:lstStyle/>
+          <a:p>
+            <a:fld id="{4FAB73BC-B049-4115-A692-8D63A059BFB8}" type="slidenum">
+              <a:rPr lang="en-US" smtClean="0"/>
+              <a:t>13</a:t>
+            </a:fld>
+            <a:endParaRPr lang="en-US" dirty="0"/>
+          </a:p>
+        </p:txBody>
+      </p:sp>
+      <p:sp>
+        <p:nvSpPr>
+          <p:cNvPr id="12" name="Symbol zastępczy stopki 11"/>
+          <p:cNvSpPr>
+            <a:spLocks noGrp="1"/>
+          </p:cNvSpPr>
+          <p:nvPr>
+            <p:ph type="ftr" sz="quarter" idx="11"/>
+          </p:nvPr>
+        </p:nvSpPr>
+        <p:spPr>
+          <a:xfrm>
+            <a:off x="3869268" y="6356350"/>
+            <a:ext cx="5911517" cy="365125"/>
+          </a:xfrm>
+        </p:spPr>
+        <p:txBody>
+          <a:bodyPr/>
+          <a:lstStyle/>
+          <a:p>
+            <a:r>
+              <a:rPr lang="en-US" smtClean="0"/>
+              <a:t>Developing SQL Databases</a:t>
+            </a:r>
+            <a:endParaRPr lang="pl-PL" dirty="0"/>
+          </a:p>
+        </p:txBody>
+      </p:sp>
+      <p:pic>
+        <p:nvPicPr>
+          <p:cNvPr id="2" name="Picture 1"/>
+          <p:cNvPicPr>
+            <a:picLocks noChangeAspect="1"/>
+          </p:cNvPicPr>
+          <p:nvPr/>
+        </p:nvPicPr>
+        <p:blipFill>
+          <a:blip r:embed="rId2"/>
+          <a:stretch>
+            <a:fillRect/>
+          </a:stretch>
+        </p:blipFill>
+        <p:spPr>
+          <a:xfrm>
+            <a:off x="489706" y="1756226"/>
+            <a:ext cx="6054899" cy="3991748"/>
+          </a:xfrm>
+          <a:prstGeom prst="rect">
+            <a:avLst/>
+          </a:prstGeom>
+          <a:ln>
+            <a:noFill/>
+          </a:ln>
+          <a:effectLst>
+            <a:outerShdw blurRad="292100" dist="139700" dir="2700000" algn="tl" rotWithShape="0">
+              <a:srgbClr val="333333">
+                <a:alpha val="65000"/>
+              </a:srgbClr>
+            </a:outerShdw>
+          </a:effectLst>
+        </p:spPr>
+      </p:pic>
+    </p:spTree>
+    <p:extLst>
+      <p:ext uri="{BB962C8B-B14F-4D97-AF65-F5344CB8AC3E}">
+        <p14:creationId xmlns:p14="http://schemas.microsoft.com/office/powerpoint/2010/main" val="70449545"/>
+      </p:ext>
+    </p:extLst>
+  </p:cSld>
+  <p:clrMapOvr>
+    <a:masterClrMapping/>
+  </p:clrMapOvr>
+</p:sld>
+</file>
+
+<file path=ppt/slides/slide14.xml><?xml version="1.0" encoding="utf-8"?>
+<p:sld xmlns:a="http://schemas.openxmlformats.org/drawingml/2006/main" xmlns:r="http://schemas.openxmlformats.org/officeDocument/2006/relationships" xmlns:p="http://schemas.openxmlformats.org/presentationml/2006/main">
+  <p:cSld>
+    <p:spTree>
+      <p:nvGrpSpPr>
+        <p:cNvPr id="1" name=""/>
+        <p:cNvGrpSpPr/>
+        <p:nvPr/>
+      </p:nvGrpSpPr>
+      <p:grpSpPr>
+        <a:xfrm>
+          <a:off x="0" y="0"/>
+          <a:ext cx="0" cy="0"/>
+          <a:chOff x="0" y="0"/>
+          <a:chExt cx="0" cy="0"/>
+        </a:xfrm>
+      </p:grpSpPr>
+      <p:sp>
+        <p:nvSpPr>
+          <p:cNvPr id="9" name="pole tekstowe 8"/>
+          <p:cNvSpPr txBox="1"/>
+          <p:nvPr/>
+        </p:nvSpPr>
+        <p:spPr>
+          <a:xfrm>
+            <a:off x="489706" y="624631"/>
+            <a:ext cx="10374037" cy="3293209"/>
+          </a:xfrm>
+          <a:prstGeom prst="rect">
+            <a:avLst/>
+          </a:prstGeom>
+          <a:noFill/>
+        </p:spPr>
+        <p:txBody>
+          <a:bodyPr wrap="square" rtlCol="0">
+            <a:spAutoFit/>
+          </a:bodyPr>
+          <a:lstStyle/>
+          <a:p>
+            <a:r>
+              <a:rPr lang="pl-PL" sz="2800" b="1" dirty="0"/>
+              <a:t>DML TRIGGER </a:t>
+            </a:r>
+            <a:r>
+              <a:rPr lang="pl-PL" sz="2800" b="1" dirty="0" err="1"/>
+              <a:t>Functions</a:t>
+            </a:r>
+            <a:endParaRPr lang="en-US" sz="2800" b="1" dirty="0"/>
+          </a:p>
+          <a:p>
+            <a:endParaRPr lang="en-US" dirty="0"/>
+          </a:p>
+          <a:p>
+            <a:r>
+              <a:rPr lang="en-US" dirty="0"/>
+              <a:t>You can use two functions in your trigger code to get information about what is going on:</a:t>
+            </a:r>
+            <a:endParaRPr lang="pl-PL" dirty="0"/>
+          </a:p>
+          <a:p>
+            <a:endParaRPr lang="en-US" dirty="0"/>
+          </a:p>
+          <a:p>
+            <a:r>
+              <a:rPr lang="en-US" b="1" dirty="0"/>
+              <a:t>UPDATE() </a:t>
+            </a:r>
+            <a:endParaRPr lang="pl-PL" b="1" dirty="0"/>
+          </a:p>
+          <a:p>
+            <a:pPr lvl="1"/>
+            <a:r>
+              <a:rPr lang="en-US" dirty="0"/>
+              <a:t>You can use this function to determine whether a particular column has been referenced by an INSERT or UPDATE statement.</a:t>
+            </a:r>
+            <a:endParaRPr lang="pl-PL" dirty="0"/>
+          </a:p>
+          <a:p>
+            <a:pPr lvl="1"/>
+            <a:endParaRPr lang="en-US" dirty="0"/>
+          </a:p>
+          <a:p>
+            <a:r>
+              <a:rPr lang="en-US" b="1" dirty="0"/>
+              <a:t>COLUMNS_UPDATED()</a:t>
+            </a:r>
+            <a:endParaRPr lang="pl-PL" b="1" dirty="0"/>
+          </a:p>
+          <a:p>
+            <a:pPr lvl="1"/>
+            <a:r>
+              <a:rPr lang="en-US" dirty="0"/>
+              <a:t>You can use this function if you know the sequence number</a:t>
+            </a:r>
+            <a:r>
+              <a:rPr lang="pl-PL" dirty="0"/>
+              <a:t> </a:t>
+            </a:r>
+            <a:r>
+              <a:rPr lang="en-US" dirty="0"/>
+              <a:t>of the column in the table. It requires you to use the bitwise AND operation (&amp;) to see whether a column was updated.</a:t>
+            </a:r>
+            <a:endParaRPr lang="pl-PL" dirty="0"/>
+          </a:p>
+        </p:txBody>
+      </p:sp>
+      <p:sp>
+        <p:nvSpPr>
+          <p:cNvPr id="11" name="Symbol zastępczy numeru slajdu 10"/>
+          <p:cNvSpPr>
+            <a:spLocks noGrp="1"/>
+          </p:cNvSpPr>
+          <p:nvPr>
+            <p:ph type="sldNum" sz="quarter" idx="12"/>
+          </p:nvPr>
+        </p:nvSpPr>
+        <p:spPr>
+          <a:xfrm>
+            <a:off x="10634135" y="6356350"/>
+            <a:ext cx="1530927" cy="365125"/>
+          </a:xfrm>
+        </p:spPr>
+        <p:txBody>
+          <a:bodyPr/>
+          <a:lstStyle/>
+          <a:p>
+            <a:fld id="{4FAB73BC-B049-4115-A692-8D63A059BFB8}" type="slidenum">
+              <a:rPr lang="en-US" smtClean="0"/>
+              <a:t>14</a:t>
+            </a:fld>
+            <a:endParaRPr lang="en-US" dirty="0"/>
+          </a:p>
+        </p:txBody>
+      </p:sp>
+      <p:sp>
+        <p:nvSpPr>
+          <p:cNvPr id="12" name="Symbol zastępczy stopki 11"/>
+          <p:cNvSpPr>
+            <a:spLocks noGrp="1"/>
+          </p:cNvSpPr>
+          <p:nvPr>
+            <p:ph type="ftr" sz="quarter" idx="11"/>
+          </p:nvPr>
+        </p:nvSpPr>
+        <p:spPr>
+          <a:xfrm>
+            <a:off x="3869268" y="6356350"/>
+            <a:ext cx="5911517" cy="365125"/>
+          </a:xfrm>
+        </p:spPr>
+        <p:txBody>
+          <a:bodyPr/>
+          <a:lstStyle/>
+          <a:p>
+            <a:r>
+              <a:rPr lang="en-US" smtClean="0"/>
+              <a:t>Developing SQL Databases</a:t>
+            </a:r>
+            <a:endParaRPr lang="pl-PL" dirty="0"/>
+          </a:p>
+        </p:txBody>
+      </p:sp>
     </p:spTree>
     <p:extLst>
       <p:ext uri="{BB962C8B-B14F-4D97-AF65-F5344CB8AC3E}">
         <p14:creationId xmlns:p14="http://schemas.microsoft.com/office/powerpoint/2010/main" val="800710931"/>
+      </p:ext>
+    </p:extLst>
+  </p:cSld>
+  <p:clrMapOvr>
+    <a:masterClrMapping/>
+  </p:clrMapOvr>
+</p:sld>
+</file>
+
+<file path=ppt/slides/slide15.xml><?xml version="1.0" encoding="utf-8"?>
+<p:sld xmlns:a="http://schemas.openxmlformats.org/drawingml/2006/main" xmlns:r="http://schemas.openxmlformats.org/officeDocument/2006/relationships" xmlns:p="http://schemas.openxmlformats.org/presentationml/2006/main">
+  <p:cSld>
+    <p:spTree>
+      <p:nvGrpSpPr>
+        <p:cNvPr id="1" name=""/>
+        <p:cNvGrpSpPr/>
+        <p:nvPr/>
+      </p:nvGrpSpPr>
+      <p:grpSpPr>
+        <a:xfrm>
+          <a:off x="0" y="0"/>
+          <a:ext cx="0" cy="0"/>
+          <a:chOff x="0" y="0"/>
+          <a:chExt cx="0" cy="0"/>
+        </a:xfrm>
+      </p:grpSpPr>
+      <p:sp>
+        <p:nvSpPr>
+          <p:cNvPr id="2" name="Title 1"/>
+          <p:cNvSpPr>
+            <a:spLocks noGrp="1"/>
+          </p:cNvSpPr>
+          <p:nvPr>
+            <p:ph type="title"/>
+          </p:nvPr>
+        </p:nvSpPr>
+        <p:spPr/>
+        <p:txBody>
+          <a:bodyPr/>
+          <a:lstStyle/>
+          <a:p>
+            <a:r>
+              <a:rPr lang="pl-PL" dirty="0" smtClean="0"/>
+              <a:t>DDL &amp; LOGON TRIGGERS</a:t>
+            </a:r>
+            <a:endParaRPr lang="pl-PL" dirty="0"/>
+          </a:p>
+        </p:txBody>
+      </p:sp>
+      <p:sp>
+        <p:nvSpPr>
+          <p:cNvPr id="3" name="Footer Placeholder 2"/>
+          <p:cNvSpPr>
+            <a:spLocks noGrp="1"/>
+          </p:cNvSpPr>
+          <p:nvPr>
+            <p:ph type="ftr" sz="quarter" idx="11"/>
+          </p:nvPr>
+        </p:nvSpPr>
+        <p:spPr/>
+        <p:txBody>
+          <a:bodyPr/>
+          <a:lstStyle/>
+          <a:p>
+            <a:r>
+              <a:rPr lang="en-US" smtClean="0"/>
+              <a:t>Developing SQL Databases</a:t>
+            </a:r>
+            <a:endParaRPr lang="en-US" dirty="0"/>
+          </a:p>
+        </p:txBody>
+      </p:sp>
+      <p:sp>
+        <p:nvSpPr>
+          <p:cNvPr id="4" name="Slide Number Placeholder 3"/>
+          <p:cNvSpPr>
+            <a:spLocks noGrp="1"/>
+          </p:cNvSpPr>
+          <p:nvPr>
+            <p:ph type="sldNum" sz="quarter" idx="12"/>
+          </p:nvPr>
+        </p:nvSpPr>
+        <p:spPr/>
+        <p:txBody>
+          <a:bodyPr/>
+          <a:lstStyle/>
+          <a:p>
+            <a:fld id="{4FAB73BC-B049-4115-A692-8D63A059BFB8}" type="slidenum">
+              <a:rPr lang="en-US" smtClean="0"/>
+              <a:t>15</a:t>
+            </a:fld>
+            <a:endParaRPr lang="en-US" dirty="0"/>
+          </a:p>
+        </p:txBody>
+      </p:sp>
+    </p:spTree>
+    <p:extLst>
+      <p:ext uri="{BB962C8B-B14F-4D97-AF65-F5344CB8AC3E}">
+        <p14:creationId xmlns:p14="http://schemas.microsoft.com/office/powerpoint/2010/main" val="803226595"/>
+      </p:ext>
+    </p:extLst>
+  </p:cSld>
+  <p:clrMapOvr>
+    <a:masterClrMapping/>
+  </p:clrMapOvr>
+</p:sld>
+</file>
+
+<file path=ppt/slides/slide16.xml><?xml version="1.0" encoding="utf-8"?>
+<p:sld xmlns:a="http://schemas.openxmlformats.org/drawingml/2006/main" xmlns:r="http://schemas.openxmlformats.org/officeDocument/2006/relationships" xmlns:p="http://schemas.openxmlformats.org/presentationml/2006/main">
+  <p:cSld>
+    <p:spTree>
+      <p:nvGrpSpPr>
+        <p:cNvPr id="1" name=""/>
+        <p:cNvGrpSpPr/>
+        <p:nvPr/>
+      </p:nvGrpSpPr>
+      <p:grpSpPr>
+        <a:xfrm>
+          <a:off x="0" y="0"/>
+          <a:ext cx="0" cy="0"/>
+          <a:chOff x="0" y="0"/>
+          <a:chExt cx="0" cy="0"/>
+        </a:xfrm>
+      </p:grpSpPr>
+      <p:sp>
+        <p:nvSpPr>
+          <p:cNvPr id="9" name="pole tekstowe 8"/>
+          <p:cNvSpPr txBox="1"/>
+          <p:nvPr/>
+        </p:nvSpPr>
+        <p:spPr>
+          <a:xfrm>
+            <a:off x="489706" y="624631"/>
+            <a:ext cx="10374037" cy="1077218"/>
+          </a:xfrm>
+          <a:prstGeom prst="rect">
+            <a:avLst/>
+          </a:prstGeom>
+          <a:noFill/>
+        </p:spPr>
+        <p:txBody>
+          <a:bodyPr wrap="square" rtlCol="0">
+            <a:spAutoFit/>
+          </a:bodyPr>
+          <a:lstStyle/>
+          <a:p>
+            <a:r>
+              <a:rPr lang="pl-PL" sz="2800" b="1" dirty="0" smtClean="0"/>
+              <a:t>DDL TRIGGER</a:t>
+            </a:r>
+            <a:endParaRPr lang="en-US" sz="2800" b="1" dirty="0" smtClean="0"/>
+          </a:p>
+          <a:p>
+            <a:endParaRPr lang="en-US" dirty="0" smtClean="0"/>
+          </a:p>
+          <a:p>
+            <a:r>
+              <a:rPr lang="en-US" dirty="0" smtClean="0"/>
+              <a:t>Used to react to DDL operations at the server or database level.</a:t>
+            </a:r>
+            <a:endParaRPr lang="pl-PL" dirty="0"/>
+          </a:p>
+        </p:txBody>
+      </p:sp>
+      <p:sp>
+        <p:nvSpPr>
+          <p:cNvPr id="11" name="Symbol zastępczy numeru slajdu 10"/>
+          <p:cNvSpPr>
+            <a:spLocks noGrp="1"/>
+          </p:cNvSpPr>
+          <p:nvPr>
+            <p:ph type="sldNum" sz="quarter" idx="12"/>
+          </p:nvPr>
+        </p:nvSpPr>
+        <p:spPr>
+          <a:xfrm>
+            <a:off x="10634135" y="6356350"/>
+            <a:ext cx="1530927" cy="365125"/>
+          </a:xfrm>
+        </p:spPr>
+        <p:txBody>
+          <a:bodyPr/>
+          <a:lstStyle/>
+          <a:p>
+            <a:fld id="{4FAB73BC-B049-4115-A692-8D63A059BFB8}" type="slidenum">
+              <a:rPr lang="en-US" smtClean="0"/>
+              <a:t>16</a:t>
+            </a:fld>
+            <a:endParaRPr lang="en-US" dirty="0"/>
+          </a:p>
+        </p:txBody>
+      </p:sp>
+      <p:sp>
+        <p:nvSpPr>
+          <p:cNvPr id="12" name="Symbol zastępczy stopki 11"/>
+          <p:cNvSpPr>
+            <a:spLocks noGrp="1"/>
+          </p:cNvSpPr>
+          <p:nvPr>
+            <p:ph type="ftr" sz="quarter" idx="11"/>
+          </p:nvPr>
+        </p:nvSpPr>
+        <p:spPr>
+          <a:xfrm>
+            <a:off x="3869268" y="6356350"/>
+            <a:ext cx="5911517" cy="365125"/>
+          </a:xfrm>
+        </p:spPr>
+        <p:txBody>
+          <a:bodyPr/>
+          <a:lstStyle/>
+          <a:p>
+            <a:r>
+              <a:rPr lang="en-US" smtClean="0"/>
+              <a:t>Developing SQL Databases</a:t>
+            </a:r>
+            <a:endParaRPr lang="pl-PL" dirty="0"/>
+          </a:p>
+        </p:txBody>
+      </p:sp>
+      <p:pic>
+        <p:nvPicPr>
+          <p:cNvPr id="5" name="Picture 4"/>
+          <p:cNvPicPr>
+            <a:picLocks noChangeAspect="1"/>
+          </p:cNvPicPr>
+          <p:nvPr/>
+        </p:nvPicPr>
+        <p:blipFill>
+          <a:blip r:embed="rId2"/>
+          <a:stretch>
+            <a:fillRect/>
+          </a:stretch>
+        </p:blipFill>
+        <p:spPr>
+          <a:xfrm>
+            <a:off x="489706" y="2333649"/>
+            <a:ext cx="8010525" cy="3390900"/>
+          </a:xfrm>
+          <a:prstGeom prst="rect">
+            <a:avLst/>
+          </a:prstGeom>
+          <a:ln>
+            <a:noFill/>
+          </a:ln>
+          <a:effectLst>
+            <a:outerShdw blurRad="292100" dist="139700" dir="2700000" algn="tl" rotWithShape="0">
+              <a:srgbClr val="333333">
+                <a:alpha val="65000"/>
+              </a:srgbClr>
+            </a:outerShdw>
+          </a:effectLst>
+        </p:spPr>
+      </p:pic>
+    </p:spTree>
+    <p:extLst>
+      <p:ext uri="{BB962C8B-B14F-4D97-AF65-F5344CB8AC3E}">
+        <p14:creationId xmlns:p14="http://schemas.microsoft.com/office/powerpoint/2010/main" val="840451535"/>
+      </p:ext>
+    </p:extLst>
+  </p:cSld>
+  <p:clrMapOvr>
+    <a:masterClrMapping/>
+  </p:clrMapOvr>
+</p:sld>
+</file>
+
+<file path=ppt/slides/slide17.xml><?xml version="1.0" encoding="utf-8"?>
+<p:sld xmlns:a="http://schemas.openxmlformats.org/drawingml/2006/main" xmlns:r="http://schemas.openxmlformats.org/officeDocument/2006/relationships" xmlns:p="http://schemas.openxmlformats.org/presentationml/2006/main">
+  <p:cSld>
+    <p:spTree>
+      <p:nvGrpSpPr>
+        <p:cNvPr id="1" name=""/>
+        <p:cNvGrpSpPr/>
+        <p:nvPr/>
+      </p:nvGrpSpPr>
+      <p:grpSpPr>
+        <a:xfrm>
+          <a:off x="0" y="0"/>
+          <a:ext cx="0" cy="0"/>
+          <a:chOff x="0" y="0"/>
+          <a:chExt cx="0" cy="0"/>
+        </a:xfrm>
+      </p:grpSpPr>
+      <p:sp>
+        <p:nvSpPr>
+          <p:cNvPr id="9" name="pole tekstowe 8"/>
+          <p:cNvSpPr txBox="1"/>
+          <p:nvPr/>
+        </p:nvSpPr>
+        <p:spPr>
+          <a:xfrm>
+            <a:off x="489706" y="624631"/>
+            <a:ext cx="10374037" cy="1077218"/>
+          </a:xfrm>
+          <a:prstGeom prst="rect">
+            <a:avLst/>
+          </a:prstGeom>
+          <a:noFill/>
+        </p:spPr>
+        <p:txBody>
+          <a:bodyPr wrap="square" rtlCol="0">
+            <a:spAutoFit/>
+          </a:bodyPr>
+          <a:lstStyle/>
+          <a:p>
+            <a:r>
+              <a:rPr lang="pl-PL" sz="2800" b="1" dirty="0" smtClean="0"/>
+              <a:t>LOGON TRIGGER</a:t>
+            </a:r>
+            <a:endParaRPr lang="en-US" sz="2800" b="1" dirty="0" smtClean="0"/>
+          </a:p>
+          <a:p>
+            <a:endParaRPr lang="en-US" dirty="0" smtClean="0"/>
+          </a:p>
+          <a:p>
+            <a:r>
+              <a:rPr lang="en-US" dirty="0" smtClean="0"/>
+              <a:t>Used </a:t>
+            </a:r>
+            <a:r>
+              <a:rPr lang="en-US" dirty="0"/>
+              <a:t>to react to someone logging into the server.</a:t>
+            </a:r>
+            <a:endParaRPr lang="pl-PL" dirty="0"/>
+          </a:p>
+        </p:txBody>
+      </p:sp>
+      <p:sp>
+        <p:nvSpPr>
+          <p:cNvPr id="11" name="Symbol zastępczy numeru slajdu 10"/>
+          <p:cNvSpPr>
+            <a:spLocks noGrp="1"/>
+          </p:cNvSpPr>
+          <p:nvPr>
+            <p:ph type="sldNum" sz="quarter" idx="12"/>
+          </p:nvPr>
+        </p:nvSpPr>
+        <p:spPr>
+          <a:xfrm>
+            <a:off x="10634135" y="6356350"/>
+            <a:ext cx="1530927" cy="365125"/>
+          </a:xfrm>
+        </p:spPr>
+        <p:txBody>
+          <a:bodyPr/>
+          <a:lstStyle/>
+          <a:p>
+            <a:fld id="{4FAB73BC-B049-4115-A692-8D63A059BFB8}" type="slidenum">
+              <a:rPr lang="en-US" smtClean="0"/>
+              <a:t>17</a:t>
+            </a:fld>
+            <a:endParaRPr lang="en-US" dirty="0"/>
+          </a:p>
+        </p:txBody>
+      </p:sp>
+      <p:sp>
+        <p:nvSpPr>
+          <p:cNvPr id="12" name="Symbol zastępczy stopki 11"/>
+          <p:cNvSpPr>
+            <a:spLocks noGrp="1"/>
+          </p:cNvSpPr>
+          <p:nvPr>
+            <p:ph type="ftr" sz="quarter" idx="11"/>
+          </p:nvPr>
+        </p:nvSpPr>
+        <p:spPr>
+          <a:xfrm>
+            <a:off x="3869268" y="6356350"/>
+            <a:ext cx="5911517" cy="365125"/>
+          </a:xfrm>
+        </p:spPr>
+        <p:txBody>
+          <a:bodyPr/>
+          <a:lstStyle/>
+          <a:p>
+            <a:r>
+              <a:rPr lang="en-US" smtClean="0"/>
+              <a:t>Developing SQL Databases</a:t>
+            </a:r>
+            <a:endParaRPr lang="pl-PL" dirty="0"/>
+          </a:p>
+        </p:txBody>
+      </p:sp>
+      <p:pic>
+        <p:nvPicPr>
+          <p:cNvPr id="3" name="Picture 2"/>
+          <p:cNvPicPr>
+            <a:picLocks noChangeAspect="1"/>
+          </p:cNvPicPr>
+          <p:nvPr/>
+        </p:nvPicPr>
+        <p:blipFill>
+          <a:blip r:embed="rId2"/>
+          <a:stretch>
+            <a:fillRect/>
+          </a:stretch>
+        </p:blipFill>
+        <p:spPr>
+          <a:xfrm>
+            <a:off x="489706" y="2333649"/>
+            <a:ext cx="5572125" cy="3390900"/>
+          </a:xfrm>
+          <a:prstGeom prst="rect">
+            <a:avLst/>
+          </a:prstGeom>
+          <a:ln>
+            <a:noFill/>
+          </a:ln>
+          <a:effectLst>
+            <a:outerShdw blurRad="292100" dist="139700" dir="2700000" algn="tl" rotWithShape="0">
+              <a:srgbClr val="333333">
+                <a:alpha val="65000"/>
+              </a:srgbClr>
+            </a:outerShdw>
+          </a:effectLst>
+        </p:spPr>
+      </p:pic>
+    </p:spTree>
+    <p:extLst>
+      <p:ext uri="{BB962C8B-B14F-4D97-AF65-F5344CB8AC3E}">
+        <p14:creationId xmlns:p14="http://schemas.microsoft.com/office/powerpoint/2010/main" val="650111319"/>
       </p:ext>
     </p:extLst>
   </p:cSld>
@@ -4181,30 +5317,148 @@
       </p:grpSpPr>
       <p:sp>
         <p:nvSpPr>
-          <p:cNvPr id="2" name="Tytuł 1"/>
-          <p:cNvSpPr>
-            <a:spLocks noGrp="1"/>
-          </p:cNvSpPr>
-          <p:nvPr>
-            <p:ph type="title"/>
-          </p:nvPr>
-        </p:nvSpPr>
-        <p:spPr/>
-        <p:txBody>
-          <a:bodyPr/>
-          <a:lstStyle/>
-          <a:p>
-            <a:r>
-              <a:rPr lang="pl-PL" dirty="0" smtClean="0"/>
-              <a:t>Triggers</a:t>
-            </a:r>
-            <a:endParaRPr lang="pl-PL" dirty="0"/>
-          </a:p>
-        </p:txBody>
-      </p:sp>
-      <p:sp>
-        <p:nvSpPr>
-          <p:cNvPr id="4" name="Symbol zastępczy numeru slajdu 3"/>
+          <p:cNvPr id="9" name="pole tekstowe 8"/>
+          <p:cNvSpPr txBox="1"/>
+          <p:nvPr/>
+        </p:nvSpPr>
+        <p:spPr>
+          <a:xfrm>
+            <a:off x="489706" y="624631"/>
+            <a:ext cx="10374037" cy="3016210"/>
+          </a:xfrm>
+          <a:prstGeom prst="rect">
+            <a:avLst/>
+          </a:prstGeom>
+          <a:noFill/>
+        </p:spPr>
+        <p:txBody>
+          <a:bodyPr wrap="square" rtlCol="0">
+            <a:spAutoFit/>
+          </a:bodyPr>
+          <a:lstStyle/>
+          <a:p>
+            <a:r>
+              <a:rPr lang="pl-PL" sz="2800" b="1" dirty="0" smtClean="0"/>
+              <a:t>TRIGGERs</a:t>
+            </a:r>
+            <a:endParaRPr lang="en-US" sz="2800" b="1" dirty="0"/>
+          </a:p>
+          <a:p>
+            <a:endParaRPr lang="en-US" dirty="0"/>
+          </a:p>
+          <a:p>
+            <a:r>
+              <a:rPr lang="en-US" b="1" dirty="0" smtClean="0"/>
+              <a:t>DML triggers</a:t>
+            </a:r>
+            <a:endParaRPr lang="pl-PL" b="1" dirty="0" smtClean="0"/>
+          </a:p>
+          <a:p>
+            <a:r>
+              <a:rPr lang="pl-PL" dirty="0"/>
+              <a:t>	</a:t>
+            </a:r>
+            <a:r>
+              <a:rPr lang="en-US" i="1" dirty="0" smtClean="0"/>
+              <a:t>operation </a:t>
+            </a:r>
+            <a:r>
+              <a:rPr lang="en-US" i="1" dirty="0"/>
+              <a:t>such as an INSERT, UPDATE or DELETE statement </a:t>
+            </a:r>
+            <a:r>
+              <a:rPr lang="en-US" i="1" dirty="0" smtClean="0"/>
+              <a:t>execution</a:t>
+            </a:r>
+            <a:endParaRPr lang="pl-PL" i="1" dirty="0" smtClean="0"/>
+          </a:p>
+          <a:p>
+            <a:endParaRPr lang="en-US" dirty="0"/>
+          </a:p>
+          <a:p>
+            <a:r>
+              <a:rPr lang="en-US" b="1" dirty="0" smtClean="0"/>
+              <a:t>DDL triggers</a:t>
+            </a:r>
+            <a:endParaRPr lang="pl-PL" b="1" dirty="0" smtClean="0"/>
+          </a:p>
+          <a:p>
+            <a:r>
+              <a:rPr lang="pl-PL" i="1" dirty="0"/>
+              <a:t>	</a:t>
+            </a:r>
+            <a:r>
+              <a:rPr lang="en-US" i="1" dirty="0" smtClean="0"/>
+              <a:t>triggers </a:t>
+            </a:r>
+            <a:r>
+              <a:rPr lang="en-US" i="1" dirty="0"/>
+              <a:t>that fire when someone changes something in SQL Server, a setting or </a:t>
+            </a:r>
+            <a:r>
+              <a:rPr lang="pl-PL" i="1" dirty="0" smtClean="0"/>
+              <a:t>o</a:t>
+            </a:r>
+            <a:r>
+              <a:rPr lang="en-US" i="1" dirty="0" err="1" smtClean="0"/>
+              <a:t>bject</a:t>
+            </a:r>
+            <a:r>
+              <a:rPr lang="en-US" i="1" dirty="0" smtClean="0"/>
+              <a:t> </a:t>
+            </a:r>
+            <a:r>
+              <a:rPr lang="en-US" i="1" dirty="0"/>
+              <a:t>on the </a:t>
+            </a:r>
+            <a:r>
+              <a:rPr lang="en-US" i="1" dirty="0" smtClean="0"/>
+              <a:t>server</a:t>
+            </a:r>
+            <a:endParaRPr lang="pl-PL" i="1" dirty="0" smtClean="0"/>
+          </a:p>
+          <a:p>
+            <a:endParaRPr lang="en-US" dirty="0"/>
+          </a:p>
+          <a:p>
+            <a:r>
+              <a:rPr lang="pl-PL" b="1" dirty="0" smtClean="0"/>
+              <a:t>LOGON </a:t>
+            </a:r>
+            <a:r>
+              <a:rPr lang="en-US" b="1" dirty="0" smtClean="0"/>
+              <a:t>triggers</a:t>
+            </a:r>
+            <a:endParaRPr lang="pl-PL" b="1" dirty="0"/>
+          </a:p>
+          <a:p>
+            <a:r>
+              <a:rPr lang="pl-PL" i="1" dirty="0" smtClean="0"/>
+              <a:t>	s</a:t>
+            </a:r>
+            <a:r>
+              <a:rPr lang="en-US" i="1" dirty="0" err="1" smtClean="0"/>
+              <a:t>omeone</a:t>
+            </a:r>
+            <a:r>
+              <a:rPr lang="en-US" i="1" dirty="0" smtClean="0"/>
+              <a:t> </a:t>
+            </a:r>
+            <a:r>
+              <a:rPr lang="en-US" i="1" dirty="0"/>
+              <a:t>logging into a </a:t>
+            </a:r>
+            <a:r>
+              <a:rPr lang="en-US" i="1" dirty="0" smtClean="0"/>
+              <a:t>server</a:t>
+            </a:r>
+            <a:endParaRPr lang="pl-PL" i="1" dirty="0"/>
+          </a:p>
+        </p:txBody>
+      </p:sp>
+      <p:sp>
+        <p:nvSpPr>
+          <p:cNvPr id="11" name="Symbol zastępczy numeru slajdu 10"/>
           <p:cNvSpPr>
             <a:spLocks noGrp="1"/>
           </p:cNvSpPr>
@@ -4212,7 +5466,12 @@
             <p:ph type="sldNum" sz="quarter" idx="12"/>
           </p:nvPr>
         </p:nvSpPr>
-        <p:spPr/>
+        <p:spPr>
+          <a:xfrm>
+            <a:off x="10634135" y="6356350"/>
+            <a:ext cx="1530927" cy="365125"/>
+          </a:xfrm>
+        </p:spPr>
         <p:txBody>
           <a:bodyPr/>
           <a:lstStyle/>
@@ -4227,7 +5486,7 @@
       </p:sp>
       <p:sp>
         <p:nvSpPr>
-          <p:cNvPr id="5" name="Symbol zastępczy stopki 4"/>
+          <p:cNvPr id="12" name="Symbol zastępczy stopki 11"/>
           <p:cNvSpPr>
             <a:spLocks noGrp="1"/>
           </p:cNvSpPr>
@@ -4235,7 +5494,12 @@
             <p:ph type="ftr" sz="quarter" idx="11"/>
           </p:nvPr>
         </p:nvSpPr>
-        <p:spPr/>
+        <p:spPr>
+          <a:xfrm>
+            <a:off x="3869268" y="6356350"/>
+            <a:ext cx="5911517" cy="365125"/>
+          </a:xfrm>
+        </p:spPr>
         <p:txBody>
           <a:bodyPr/>
           <a:lstStyle/>
@@ -4244,33 +5508,14 @@
               <a:rPr lang="en-US" smtClean="0"/>
               <a:t>Developing SQL Databases</a:t>
             </a:r>
-            <a:endParaRPr lang="en-US" dirty="0"/>
-          </a:p>
-        </p:txBody>
-      </p:sp>
-      <p:sp>
-        <p:nvSpPr>
-          <p:cNvPr id="6" name="Content Placeholder 5"/>
-          <p:cNvSpPr>
-            <a:spLocks noGrp="1"/>
-          </p:cNvSpPr>
-          <p:nvPr>
-            <p:ph idx="1"/>
-          </p:nvPr>
-        </p:nvSpPr>
-        <p:spPr/>
-        <p:txBody>
-          <a:bodyPr/>
-          <a:lstStyle/>
-          <a:p>
-            <a:endParaRPr lang="pl-PL"/>
+            <a:endParaRPr lang="pl-PL" dirty="0"/>
           </a:p>
         </p:txBody>
       </p:sp>
     </p:spTree>
     <p:extLst>
       <p:ext uri="{BB962C8B-B14F-4D97-AF65-F5344CB8AC3E}">
-        <p14:creationId xmlns:p14="http://schemas.microsoft.com/office/powerpoint/2010/main" val="1995528927"/>
+        <p14:creationId xmlns:p14="http://schemas.microsoft.com/office/powerpoint/2010/main" val="2200491595"/>
       </p:ext>
     </p:extLst>
   </p:cSld>
@@ -4299,115 +5544,53 @@
       </p:grpSpPr>
       <p:sp>
         <p:nvSpPr>
-          <p:cNvPr id="9" name="pole tekstowe 8"/>
-          <p:cNvSpPr txBox="1"/>
-          <p:nvPr/>
-        </p:nvSpPr>
-        <p:spPr>
-          <a:xfrm>
-            <a:off x="489706" y="624631"/>
-            <a:ext cx="10374037" cy="3570208"/>
-          </a:xfrm>
-          <a:prstGeom prst="rect">
-            <a:avLst/>
-          </a:prstGeom>
-          <a:noFill/>
-        </p:spPr>
-        <p:txBody>
-          <a:bodyPr wrap="square" rtlCol="0">
-            <a:spAutoFit/>
-          </a:bodyPr>
-          <a:lstStyle/>
-          <a:p>
-            <a:r>
-              <a:rPr lang="pl-PL" sz="2800" b="1" dirty="0"/>
-              <a:t>TRIGGER</a:t>
-            </a:r>
-            <a:endParaRPr lang="en-US" sz="2800" b="1" dirty="0"/>
-          </a:p>
-          <a:p>
-            <a:endParaRPr lang="en-US" dirty="0"/>
-          </a:p>
-          <a:p>
-            <a:r>
-              <a:rPr lang="en-US" dirty="0"/>
-              <a:t>A trigger is a special kind of stored procedure that is associated with selected data manipulation</a:t>
-            </a:r>
-            <a:r>
-              <a:rPr lang="pl-PL" dirty="0"/>
-              <a:t> </a:t>
-            </a:r>
-            <a:r>
-              <a:rPr lang="en-US" dirty="0"/>
-              <a:t>language (DML) events on a table or view. A trigger cannot be explicitly executed.</a:t>
+          <p:cNvPr id="2" name="Title 1"/>
+          <p:cNvSpPr>
+            <a:spLocks noGrp="1"/>
+          </p:cNvSpPr>
+          <p:nvPr>
+            <p:ph type="title"/>
+          </p:nvPr>
+        </p:nvSpPr>
+        <p:spPr/>
+        <p:txBody>
+          <a:bodyPr/>
+          <a:lstStyle/>
+          <a:p>
+            <a:r>
+              <a:rPr lang="pl-PL" dirty="0" smtClean="0"/>
+              <a:t>DML TRIGGER</a:t>
             </a:r>
             <a:endParaRPr lang="pl-PL" dirty="0"/>
           </a:p>
-          <a:p>
-            <a:endParaRPr lang="en-US" dirty="0"/>
-          </a:p>
-          <a:p>
-            <a:r>
-              <a:rPr lang="en-US" dirty="0"/>
-              <a:t>Rather, a trigger is fired when a DML event occurs that the trigger is associated with, such as INSERT,</a:t>
-            </a:r>
-            <a:r>
-              <a:rPr lang="pl-PL" dirty="0"/>
-              <a:t> </a:t>
-            </a:r>
-            <a:r>
-              <a:rPr lang="en-US" dirty="0"/>
-              <a:t>UPDATE, or DELETE. Whenever the event takes place, the trigger fires and the trigger’s</a:t>
-            </a:r>
-            <a:r>
-              <a:rPr lang="pl-PL" dirty="0"/>
-              <a:t> </a:t>
-            </a:r>
-            <a:r>
-              <a:rPr lang="en-US" dirty="0"/>
-              <a:t>code runs.</a:t>
-            </a:r>
-            <a:endParaRPr lang="pl-PL" dirty="0"/>
-          </a:p>
-          <a:p>
-            <a:endParaRPr lang="en-US" dirty="0"/>
-          </a:p>
-          <a:p>
-            <a:r>
-              <a:rPr lang="en-US" dirty="0"/>
-              <a:t>SQL Server supports the association of triggers with two kinds of events:</a:t>
-            </a:r>
-            <a:endParaRPr lang="pl-PL" dirty="0"/>
-          </a:p>
-          <a:p>
-            <a:endParaRPr lang="en-US" dirty="0"/>
-          </a:p>
-          <a:p>
-            <a:pPr marL="742950" lvl="1" indent="-285750">
-              <a:buFont typeface="Arial" panose="020B0604020202020204" pitchFamily="34" charset="0"/>
-              <a:buChar char="•"/>
-            </a:pPr>
-            <a:r>
-              <a:rPr lang="en-US" dirty="0"/>
-              <a:t>Data manipulation events (DML triggers)</a:t>
-            </a:r>
-          </a:p>
-          <a:p>
-            <a:pPr marL="742950" lvl="1" indent="-285750">
-              <a:buFont typeface="Arial" panose="020B0604020202020204" pitchFamily="34" charset="0"/>
-              <a:buChar char="•"/>
-            </a:pPr>
-            <a:r>
-              <a:rPr lang="en-US" dirty="0"/>
-              <a:t>Data definition events (DDL triggers) such as CREATE TABLE</a:t>
-            </a:r>
-            <a:endParaRPr lang="pl-PL" dirty="0"/>
-          </a:p>
-        </p:txBody>
-      </p:sp>
-      <p:sp>
-        <p:nvSpPr>
-          <p:cNvPr id="11" name="Symbol zastępczy numeru slajdu 10"/>
+        </p:txBody>
+      </p:sp>
+      <p:sp>
+        <p:nvSpPr>
+          <p:cNvPr id="3" name="Footer Placeholder 2"/>
+          <p:cNvSpPr>
+            <a:spLocks noGrp="1"/>
+          </p:cNvSpPr>
+          <p:nvPr>
+            <p:ph type="ftr" sz="quarter" idx="11"/>
+          </p:nvPr>
+        </p:nvSpPr>
+        <p:spPr/>
+        <p:txBody>
+          <a:bodyPr/>
+          <a:lstStyle/>
+          <a:p>
+            <a:r>
+              <a:rPr lang="en-US" smtClean="0"/>
+              <a:t>Developing SQL Databases</a:t>
+            </a:r>
+            <a:endParaRPr lang="en-US" dirty="0"/>
+          </a:p>
+        </p:txBody>
+      </p:sp>
+      <p:sp>
+        <p:nvSpPr>
+          <p:cNvPr id="4" name="Slide Number Placeholder 3"/>
           <p:cNvSpPr>
             <a:spLocks noGrp="1"/>
           </p:cNvSpPr>
@@ -4415,12 +5598,7 @@
             <p:ph type="sldNum" sz="quarter" idx="12"/>
           </p:nvPr>
         </p:nvSpPr>
-        <p:spPr>
-          <a:xfrm>
-            <a:off x="10634135" y="6356350"/>
-            <a:ext cx="1530927" cy="365125"/>
-          </a:xfrm>
-        </p:spPr>
+        <p:spPr/>
         <p:txBody>
           <a:bodyPr/>
           <a:lstStyle/>
@@ -4433,38 +5611,10 @@
           </a:p>
         </p:txBody>
       </p:sp>
-      <p:sp>
-        <p:nvSpPr>
-          <p:cNvPr id="12" name="Symbol zastępczy stopki 11"/>
-          <p:cNvSpPr>
-            <a:spLocks noGrp="1"/>
-          </p:cNvSpPr>
-          <p:nvPr>
-            <p:ph type="ftr" sz="quarter" idx="11"/>
-          </p:nvPr>
-        </p:nvSpPr>
-        <p:spPr>
-          <a:xfrm>
-            <a:off x="3869268" y="6356350"/>
-            <a:ext cx="5911517" cy="365125"/>
-          </a:xfrm>
-        </p:spPr>
-        <p:txBody>
-          <a:bodyPr/>
-          <a:lstStyle/>
-          <a:p>
-            <a:r>
-              <a:rPr lang="en-US" smtClean="0"/>
-              <a:t>Developing SQL Databases</a:t>
-            </a:r>
-            <a:endParaRPr lang="pl-PL" dirty="0"/>
-          </a:p>
-        </p:txBody>
-      </p:sp>
     </p:spTree>
     <p:extLst>
       <p:ext uri="{BB962C8B-B14F-4D97-AF65-F5344CB8AC3E}">
-        <p14:creationId xmlns:p14="http://schemas.microsoft.com/office/powerpoint/2010/main" val="3137682556"/>
+        <p14:creationId xmlns:p14="http://schemas.microsoft.com/office/powerpoint/2010/main" val="2868785130"/>
       </p:ext>
     </p:extLst>
   </p:cSld>
@@ -4499,8 +5649,8 @@
         </p:nvSpPr>
         <p:spPr>
           <a:xfrm>
-            <a:off x="489707" y="624631"/>
-            <a:ext cx="10284686" cy="4955203"/>
+            <a:off x="489706" y="624631"/>
+            <a:ext cx="10374037" cy="2185214"/>
           </a:xfrm>
           <a:prstGeom prst="rect">
             <a:avLst/>
@@ -4525,7 +5675,19 @@
           <a:p>
             <a:r>
               <a:rPr lang="en-US" dirty="0"/>
-              <a:t>A DML trigger is a T-SQL batch associated with a table that is defined to respond to a particular</a:t>
+              <a:t>A </a:t>
+            </a:r>
+            <a:r>
+              <a:rPr lang="pl-PL" dirty="0" smtClean="0"/>
+              <a:t>DML </a:t>
+            </a:r>
+            <a:r>
+              <a:rPr lang="en-US" dirty="0" smtClean="0"/>
+              <a:t>trigger </a:t>
+            </a:r>
+            <a:r>
+              <a:rPr lang="en-US" dirty="0"/>
+              <a:t>is a special kind of stored procedure that is associated with selected data manipulation</a:t>
             </a:r>
             <a:r>
               <a:rPr lang="pl-PL" dirty="0"/>
@@ -4533,7 +5695,17 @@
             </a:r>
             <a:r>
               <a:rPr lang="en-US" dirty="0"/>
-              <a:t>DML event such as an INSERT, UPDATE, or DELETE, or a combination of those events. SQL</a:t>
+              <a:t>language (DML) events on a table or view. A trigger cannot be explicitly executed.</a:t>
+            </a:r>
+            <a:endParaRPr lang="pl-PL" dirty="0"/>
+          </a:p>
+          <a:p>
+            <a:endParaRPr lang="en-US" dirty="0"/>
+          </a:p>
+          <a:p>
+            <a:r>
+              <a:rPr lang="en-US" dirty="0"/>
+              <a:t>Rather, a trigger is fired when a DML event occurs that the trigger is associated with, such as INSERT,</a:t>
             </a:r>
             <a:r>
               <a:rPr lang="pl-PL" dirty="0"/>
@@ -4541,21 +5713,7 @@
             </a:r>
             <a:r>
               <a:rPr lang="en-US" dirty="0"/>
-              <a:t>Server supports two kinds of DML triggers:</a:t>
-            </a:r>
-            <a:endParaRPr lang="pl-PL" dirty="0"/>
-          </a:p>
-          <a:p>
-            <a:endParaRPr lang="en-US" dirty="0"/>
-          </a:p>
-          <a:p>
-            <a:pPr marL="285750" indent="-285750">
-              <a:buFont typeface="Arial" panose="020B0604020202020204" pitchFamily="34" charset="0"/>
-              <a:buChar char="•"/>
-            </a:pPr>
-            <a:r>
-              <a:rPr lang="en-US" dirty="0"/>
-              <a:t>AFTER This trigger fires after the event it is associated with finishes and can only be</a:t>
+              <a:t>UPDATE, or DELETE. Whenever the event takes place, the trigger fires and the trigger’s</a:t>
             </a:r>
             <a:r>
               <a:rPr lang="pl-PL" dirty="0"/>
@@ -4563,85 +5721,11 @@
             </a:r>
             <a:r>
               <a:rPr lang="en-US" dirty="0"/>
-              <a:t>defined on permanent tables.</a:t>
-            </a:r>
-          </a:p>
-          <a:p>
-            <a:pPr marL="285750" indent="-285750">
-              <a:buFont typeface="Arial" panose="020B0604020202020204" pitchFamily="34" charset="0"/>
-              <a:buChar char="•"/>
-            </a:pPr>
-            <a:r>
-              <a:rPr lang="en-US" dirty="0"/>
-              <a:t>INSTEA D OF This trigger fires instead of the event it is associated with and can be</a:t>
-            </a:r>
-            <a:r>
-              <a:rPr lang="pl-PL" dirty="0"/>
-              <a:t> </a:t>
-            </a:r>
-            <a:r>
-              <a:rPr lang="en-US" dirty="0"/>
-              <a:t>defined on permanent tables and views.</a:t>
-            </a:r>
-            <a:endParaRPr lang="pl-PL" dirty="0"/>
-          </a:p>
-          <a:p>
-            <a:endParaRPr lang="en-US" dirty="0"/>
-          </a:p>
-          <a:p>
-            <a:r>
-              <a:rPr lang="en-US" dirty="0"/>
-              <a:t>A trigger executes only once for each DML statement, no matter how may rows may be</a:t>
-            </a:r>
-            <a:r>
-              <a:rPr lang="pl-PL" dirty="0"/>
-              <a:t> </a:t>
-            </a:r>
-            <a:r>
-              <a:rPr lang="en-US" dirty="0"/>
-              <a:t>affected. The schema of the trigger must be the same as the schema of the table or view the</a:t>
-            </a:r>
-            <a:r>
-              <a:rPr lang="pl-PL" dirty="0"/>
-              <a:t> </a:t>
-            </a:r>
-            <a:r>
-              <a:rPr lang="en-US" dirty="0"/>
-              <a:t>trigger is associated with.</a:t>
-            </a:r>
-            <a:endParaRPr lang="pl-PL" dirty="0"/>
-          </a:p>
-          <a:p>
-            <a:endParaRPr lang="en-US" dirty="0"/>
-          </a:p>
-          <a:p>
-            <a:r>
-              <a:rPr lang="en-US" dirty="0"/>
-              <a:t>You can use DML triggers for auditing, enforcing complex integrity rules, and more.</a:t>
-            </a:r>
-            <a:r>
-              <a:rPr lang="pl-PL" dirty="0"/>
-              <a:t> </a:t>
-            </a:r>
-            <a:r>
-              <a:rPr lang="en-US" dirty="0"/>
-              <a:t>Both types of DML triggers execute as part of the transaction associated with the INSERT,</a:t>
-            </a:r>
-            <a:r>
-              <a:rPr lang="pl-PL" dirty="0"/>
-              <a:t> </a:t>
-            </a:r>
-            <a:r>
-              <a:rPr lang="en-US" dirty="0"/>
-              <a:t>UPDATE, or DELETE statement. A trigger is considered part of the transaction that includes</a:t>
-            </a:r>
-            <a:r>
-              <a:rPr lang="pl-PL" dirty="0"/>
-              <a:t> </a:t>
-            </a:r>
-            <a:r>
-              <a:rPr lang="en-US" dirty="0"/>
-              <a:t>the event that caused the trigger to fire.</a:t>
+              <a:t>code runs</a:t>
+            </a:r>
+            <a:r>
+              <a:rPr lang="en-US" dirty="0" smtClean="0"/>
+              <a:t>.</a:t>
             </a:r>
             <a:endParaRPr lang="pl-PL" dirty="0"/>
           </a:p>
@@ -4706,7 +5790,7 @@
     </p:spTree>
     <p:extLst>
       <p:ext uri="{BB962C8B-B14F-4D97-AF65-F5344CB8AC3E}">
-        <p14:creationId xmlns:p14="http://schemas.microsoft.com/office/powerpoint/2010/main" val="137168500"/>
+        <p14:creationId xmlns:p14="http://schemas.microsoft.com/office/powerpoint/2010/main" val="3137682556"/>
       </p:ext>
     </p:extLst>
   </p:cSld>
@@ -4741,8 +5825,8 @@
         </p:nvSpPr>
         <p:spPr>
           <a:xfrm>
-            <a:off x="489706" y="624631"/>
-            <a:ext cx="10374037" cy="2462213"/>
+            <a:off x="489707" y="624631"/>
+            <a:ext cx="10284686" cy="4955203"/>
           </a:xfrm>
           <a:prstGeom prst="rect">
             <a:avLst/>
@@ -4756,12 +5840,8 @@
           <a:lstStyle/>
           <a:p>
             <a:r>
-              <a:rPr lang="pl-PL" sz="2800" b="1" dirty="0"/>
-              <a:t>ROLLBACK TRAN in </a:t>
-            </a:r>
-            <a:r>
-              <a:rPr lang="pl-PL" sz="2800" b="1" dirty="0" err="1"/>
-              <a:t>Trigger</a:t>
+              <a:rPr lang="pl-PL" sz="2800" b="1" dirty="0" smtClean="0"/>
+              <a:t>DML TRIGGER</a:t>
             </a:r>
             <a:endParaRPr lang="en-US" sz="2800" b="1" dirty="0"/>
           </a:p>
@@ -4771,7 +5851,7 @@
           <a:p>
             <a:r>
               <a:rPr lang="en-US" dirty="0"/>
-              <a:t>Issuing a ROLLBACK TRAN command within the trigger’s code causes a rollback of all</a:t>
+              <a:t>A DML trigger is a T-SQL batch associated with a table that is defined to respond to a particular</a:t>
             </a:r>
             <a:r>
               <a:rPr lang="pl-PL" dirty="0"/>
@@ -4779,33 +5859,7 @@
             </a:r>
             <a:r>
               <a:rPr lang="en-US" dirty="0"/>
-              <a:t>changes that took place in the trigger, </a:t>
-            </a:r>
-            <a:r>
-              <a:rPr lang="en-US" b="1" dirty="0"/>
-              <a:t>in addition to rolling back the original DML statement</a:t>
-            </a:r>
-            <a:r>
-              <a:rPr lang="pl-PL" b="1" dirty="0"/>
-              <a:t> </a:t>
-            </a:r>
-            <a:r>
-              <a:rPr lang="en-US" b="1" dirty="0"/>
-              <a:t>to which the trigger is attached</a:t>
-            </a:r>
-            <a:r>
-              <a:rPr lang="en-US" dirty="0"/>
-              <a:t>.</a:t>
-            </a:r>
-            <a:endParaRPr lang="pl-PL" dirty="0"/>
-          </a:p>
-          <a:p>
-            <a:endParaRPr lang="pl-PL" dirty="0"/>
-          </a:p>
-          <a:p>
-            <a:r>
-              <a:rPr lang="en-US" dirty="0"/>
-              <a:t>However, using a ROLLBACK TRAN in a trigger can have</a:t>
+              <a:t>DML event such as an INSERT, UPDATE, or DELETE, or a combination of those events. SQL</a:t>
             </a:r>
             <a:r>
               <a:rPr lang="pl-PL" dirty="0"/>
@@ -4813,7 +5867,88 @@
             </a:r>
             <a:r>
               <a:rPr lang="en-US" dirty="0"/>
-              <a:t>some unwanted side effects. Instead, you can issue THROW or RAISERROR and control the</a:t>
+              <a:t>Server supports two kinds of DML triggers:</a:t>
+            </a:r>
+            <a:endParaRPr lang="pl-PL" dirty="0"/>
+          </a:p>
+          <a:p>
+            <a:endParaRPr lang="en-US" dirty="0"/>
+          </a:p>
+          <a:p>
+            <a:pPr lvl="1"/>
+            <a:r>
+              <a:rPr lang="en-US" b="1" dirty="0" smtClean="0"/>
+              <a:t>AFTER</a:t>
+            </a:r>
+            <a:endParaRPr lang="pl-PL" b="1" dirty="0" smtClean="0"/>
+          </a:p>
+          <a:p>
+            <a:pPr lvl="2"/>
+            <a:r>
+              <a:rPr lang="pl-PL" i="1" dirty="0" smtClean="0"/>
+              <a:t>t</a:t>
+            </a:r>
+            <a:r>
+              <a:rPr lang="en-US" i="1" dirty="0" smtClean="0"/>
+              <a:t>his </a:t>
+            </a:r>
+            <a:r>
+              <a:rPr lang="en-US" i="1" dirty="0"/>
+              <a:t>trigger fires after the event it is associated with finishes and can only be</a:t>
+            </a:r>
+            <a:r>
+              <a:rPr lang="pl-PL" i="1" dirty="0"/>
+              <a:t> </a:t>
+            </a:r>
+            <a:r>
+              <a:rPr lang="en-US" i="1" dirty="0"/>
+              <a:t>defined on permanent </a:t>
+            </a:r>
+            <a:r>
+              <a:rPr lang="en-US" i="1" dirty="0" smtClean="0"/>
+              <a:t>tables</a:t>
+            </a:r>
+            <a:endParaRPr lang="pl-PL" i="1" dirty="0" smtClean="0"/>
+          </a:p>
+          <a:p>
+            <a:pPr lvl="1"/>
+            <a:r>
+              <a:rPr lang="en-US" b="1" dirty="0" smtClean="0"/>
+              <a:t>INSTEAD </a:t>
+            </a:r>
+            <a:r>
+              <a:rPr lang="en-US" b="1" dirty="0"/>
+              <a:t>OF </a:t>
+            </a:r>
+            <a:endParaRPr lang="pl-PL" b="1" dirty="0" smtClean="0"/>
+          </a:p>
+          <a:p>
+            <a:pPr lvl="2"/>
+            <a:r>
+              <a:rPr lang="en-US" i="1" dirty="0" smtClean="0"/>
+              <a:t>This </a:t>
+            </a:r>
+            <a:r>
+              <a:rPr lang="en-US" i="1" dirty="0"/>
+              <a:t>trigger fires instead of the event it is associated with and can be</a:t>
+            </a:r>
+            <a:r>
+              <a:rPr lang="pl-PL" i="1" dirty="0"/>
+              <a:t> </a:t>
+            </a:r>
+            <a:r>
+              <a:rPr lang="en-US" i="1" dirty="0"/>
+              <a:t>defined on permanent tables and views.</a:t>
+            </a:r>
+            <a:endParaRPr lang="pl-PL" i="1" dirty="0"/>
+          </a:p>
+          <a:p>
+            <a:endParaRPr lang="en-US" dirty="0"/>
+          </a:p>
+          <a:p>
+            <a:r>
+              <a:rPr lang="en-US" dirty="0"/>
+              <a:t>A trigger executes only once for each DML statement, no matter how may rows may be</a:t>
             </a:r>
             <a:r>
               <a:rPr lang="pl-PL" dirty="0"/>
@@ -4821,7 +5956,29 @@
             </a:r>
             <a:r>
               <a:rPr lang="en-US" dirty="0"/>
-              <a:t>failure by using your standard error handling routines.</a:t>
+              <a:t>affected. The schema of the trigger must be the same as the schema of the table or view the</a:t>
+            </a:r>
+            <a:r>
+              <a:rPr lang="pl-PL" dirty="0"/>
+              <a:t> </a:t>
+            </a:r>
+            <a:r>
+              <a:rPr lang="en-US" dirty="0"/>
+              <a:t>trigger is associated with.</a:t>
+            </a:r>
+            <a:endParaRPr lang="pl-PL" dirty="0"/>
+          </a:p>
+          <a:p>
+            <a:endParaRPr lang="en-US" dirty="0"/>
+          </a:p>
+          <a:p>
+            <a:r>
+              <a:rPr lang="en-US" dirty="0"/>
+              <a:t>You can use DML triggers for auditing, enforcing complex integrity rules, and more</a:t>
+            </a:r>
+            <a:r>
+              <a:rPr lang="en-US" dirty="0" smtClean="0"/>
+              <a:t>.</a:t>
             </a:r>
             <a:endParaRPr lang="pl-PL" dirty="0"/>
           </a:p>
@@ -4886,7 +6043,7 @@
     </p:spTree>
     <p:extLst>
       <p:ext uri="{BB962C8B-B14F-4D97-AF65-F5344CB8AC3E}">
-        <p14:creationId xmlns:p14="http://schemas.microsoft.com/office/powerpoint/2010/main" val="1480033389"/>
+        <p14:creationId xmlns:p14="http://schemas.microsoft.com/office/powerpoint/2010/main" val="137168500"/>
       </p:ext>
     </p:extLst>
   </p:cSld>
@@ -4921,8 +6078,8 @@
         </p:nvSpPr>
         <p:spPr>
           <a:xfrm>
-            <a:off x="489706" y="624631"/>
-            <a:ext cx="10374037" cy="3016210"/>
+            <a:off x="489707" y="624631"/>
+            <a:ext cx="9291078" cy="4955203"/>
           </a:xfrm>
           <a:prstGeom prst="rect">
             <a:avLst/>
@@ -4936,20 +6093,8 @@
           <a:lstStyle/>
           <a:p>
             <a:r>
-              <a:rPr lang="pl-PL" sz="2800" b="1" dirty="0" err="1"/>
-              <a:t>inserted</a:t>
-            </a:r>
-            <a:r>
-              <a:rPr lang="pl-PL" sz="2800" b="1" dirty="0"/>
-              <a:t>/</a:t>
-            </a:r>
-            <a:r>
-              <a:rPr lang="pl-PL" sz="2800" b="1" dirty="0" err="1"/>
-              <a:t>deleted</a:t>
-            </a:r>
-            <a:r>
-              <a:rPr lang="pl-PL" sz="2800" b="1" dirty="0"/>
-              <a:t> TABLES</a:t>
+              <a:rPr lang="pl-PL" sz="2800" b="1" dirty="0" smtClean="0"/>
+              <a:t>Usage Cases</a:t>
             </a:r>
             <a:endParaRPr lang="en-US" sz="2800" b="1" dirty="0"/>
           </a:p>
@@ -4958,102 +6103,113 @@
           </a:p>
           <a:p>
             <a:r>
+              <a:rPr lang="en-US" b="1" dirty="0"/>
+              <a:t>Complex data integrity CHECK </a:t>
+            </a:r>
+          </a:p>
+          <a:p>
+            <a:pPr lvl="1"/>
+            <a:r>
+              <a:rPr lang="en-US" i="1" dirty="0"/>
+              <a:t>constraints can only see data in the same row. </a:t>
+            </a:r>
+            <a:r>
+              <a:rPr lang="en-US" i="1" dirty="0" smtClean="0"/>
+              <a:t>IF </a:t>
+            </a:r>
+            <a:r>
+              <a:rPr lang="en-US" i="1" dirty="0"/>
+              <a:t>you need to check data across multiple rows, only </a:t>
+            </a:r>
+            <a:r>
               <a:rPr lang="en-US" dirty="0"/>
-              <a:t>In the T-SQL code for both types of DML triggers, you can access tables that are named</a:t>
-            </a:r>
-            <a:r>
-              <a:rPr lang="pl-PL" dirty="0"/>
-              <a:t> </a:t>
-            </a:r>
-            <a:r>
-              <a:rPr lang="en-US" dirty="0"/>
-              <a:t>inserted and</a:t>
-            </a:r>
-            <a:r>
-              <a:rPr lang="pl-PL" dirty="0"/>
-              <a:t> </a:t>
-            </a:r>
-            <a:r>
-              <a:rPr lang="en-US" dirty="0"/>
-              <a:t>deleted. These tables contain the rows that were affected by the modification</a:t>
-            </a:r>
-            <a:r>
-              <a:rPr lang="pl-PL" dirty="0"/>
-              <a:t> </a:t>
-            </a:r>
-            <a:r>
-              <a:rPr lang="en-US" dirty="0"/>
-              <a:t>that caused the trigger to fire. </a:t>
-            </a:r>
-            <a:endParaRPr lang="pl-PL" dirty="0"/>
-          </a:p>
-          <a:p>
-            <a:endParaRPr lang="pl-PL" dirty="0"/>
-          </a:p>
-          <a:p>
-            <a:r>
-              <a:rPr lang="en-US" dirty="0"/>
-              <a:t>The </a:t>
+              <a:t>triggers can do this automatically.</a:t>
+            </a:r>
+          </a:p>
+          <a:p>
+            <a:endParaRPr lang="en-US" dirty="0"/>
+          </a:p>
+          <a:p>
+            <a:r>
+              <a:rPr lang="en-US" b="1" dirty="0" smtClean="0"/>
+              <a:t>Running </a:t>
             </a:r>
             <a:r>
               <a:rPr lang="en-US" b="1" dirty="0"/>
-              <a:t>inserted</a:t>
-            </a:r>
-            <a:r>
-              <a:rPr lang="en-US" dirty="0"/>
-              <a:t> table holds the new image of the affected rows</a:t>
-            </a:r>
-            <a:r>
-              <a:rPr lang="pl-PL" dirty="0"/>
-              <a:t> </a:t>
-            </a:r>
-            <a:r>
-              <a:rPr lang="en-US" dirty="0"/>
-              <a:t>in the case of INSERT and UPDATE statements. The </a:t>
+              <a:t>code in response to some action</a:t>
+            </a:r>
+          </a:p>
+          <a:p>
+            <a:pPr lvl="1"/>
+            <a:r>
+              <a:rPr lang="en-US" i="1" dirty="0"/>
+              <a:t>For example, if an order comes in past a threshold (like a $3,000,000 order for lattes from Fourth Coffee), </a:t>
+            </a:r>
+            <a:r>
+              <a:rPr lang="en-US" i="1" dirty="0" smtClean="0"/>
+              <a:t>you </a:t>
+            </a:r>
+            <a:r>
+              <a:rPr lang="en-US" i="1" dirty="0"/>
+              <a:t>could write a ROW to a table to have the row checked for validity.</a:t>
+            </a:r>
+          </a:p>
+          <a:p>
+            <a:endParaRPr lang="en-US" dirty="0"/>
+          </a:p>
+          <a:p>
+            <a:r>
+              <a:rPr lang="en-US" b="1" dirty="0" smtClean="0"/>
+              <a:t>Ensuring </a:t>
             </a:r>
             <a:r>
               <a:rPr lang="en-US" b="1" dirty="0"/>
-              <a:t>deleted</a:t>
-            </a:r>
-            <a:r>
-              <a:rPr lang="en-US" dirty="0"/>
-              <a:t> table holds the old image of the</a:t>
-            </a:r>
-            <a:r>
-              <a:rPr lang="pl-PL" dirty="0"/>
-              <a:t> </a:t>
-            </a:r>
-            <a:r>
-              <a:rPr lang="en-US" dirty="0"/>
-              <a:t>affected rows in the case of DELETE and UPDATE statements. </a:t>
-            </a:r>
-            <a:endParaRPr lang="pl-PL" dirty="0"/>
-          </a:p>
-          <a:p>
-            <a:endParaRPr lang="pl-PL" dirty="0"/>
-          </a:p>
-          <a:p>
-            <a:r>
-              <a:rPr lang="en-US" dirty="0"/>
-              <a:t>In the case of INSTEAD OF triggers,</a:t>
-            </a:r>
-            <a:r>
-              <a:rPr lang="pl-PL" dirty="0"/>
-              <a:t> </a:t>
-            </a:r>
-            <a:r>
-              <a:rPr lang="en-US" dirty="0"/>
-              <a:t>the inserted and deleted tables contain the rows that would be affected by the DML</a:t>
-            </a:r>
-            <a:r>
-              <a:rPr lang="pl-PL" dirty="0"/>
-              <a:t> </a:t>
-            </a:r>
-            <a:r>
-              <a:rPr lang="en-US" dirty="0"/>
-              <a:t>statement.</a:t>
-            </a:r>
-            <a:endParaRPr lang="pl-PL" dirty="0"/>
+              <a:t>columnar data is modified</a:t>
+            </a:r>
+          </a:p>
+          <a:p>
+            <a:pPr lvl="1"/>
+            <a:r>
+              <a:rPr lang="en-US" i="1" dirty="0"/>
+              <a:t>IF you want to make sure that data is modified, </a:t>
+            </a:r>
+            <a:r>
+              <a:rPr lang="en-US" i="1" dirty="0" smtClean="0"/>
+              <a:t>like </a:t>
+            </a:r>
+            <a:r>
+              <a:rPr lang="en-US" i="1" dirty="0"/>
+              <a:t>a column that tells you when a row was last modified, </a:t>
+            </a:r>
+            <a:r>
+              <a:rPr lang="en-US" i="1" dirty="0" smtClean="0"/>
+              <a:t>triggers </a:t>
+            </a:r>
+            <a:r>
+              <a:rPr lang="en-US" i="1" dirty="0"/>
+              <a:t>can ensure that the user does not put in invalid data.</a:t>
+            </a:r>
+          </a:p>
+          <a:p>
+            <a:endParaRPr lang="en-US" dirty="0"/>
+          </a:p>
+          <a:p>
+            <a:r>
+              <a:rPr lang="en-US" b="1" dirty="0" smtClean="0"/>
+              <a:t>Making </a:t>
+            </a:r>
+            <a:r>
+              <a:rPr lang="en-US" b="1" dirty="0"/>
+              <a:t>a view editable </a:t>
+            </a:r>
+          </a:p>
+          <a:p>
+            <a:pPr lvl="1"/>
+            <a:r>
+              <a:rPr lang="en-US" i="1" dirty="0"/>
+              <a:t>IF a VIEW references more than one table, it becomes complicated to modify it using simple DML operations.</a:t>
+            </a:r>
+            <a:endParaRPr lang="pl-PL" i="1" dirty="0"/>
           </a:p>
         </p:txBody>
       </p:sp>
@@ -5116,7 +6272,7 @@
     </p:spTree>
     <p:extLst>
       <p:ext uri="{BB962C8B-B14F-4D97-AF65-F5344CB8AC3E}">
-        <p14:creationId xmlns:p14="http://schemas.microsoft.com/office/powerpoint/2010/main" val="294584839"/>
+        <p14:creationId xmlns:p14="http://schemas.microsoft.com/office/powerpoint/2010/main" val="955778915"/>
       </p:ext>
     </p:extLst>
   </p:cSld>
@@ -5152,7 +6308,7 @@
         <p:spPr>
           <a:xfrm>
             <a:off x="489706" y="624631"/>
-            <a:ext cx="10374037" cy="1908215"/>
+            <a:ext cx="10374037" cy="2462213"/>
           </a:xfrm>
           <a:prstGeom prst="rect">
             <a:avLst/>
@@ -5167,11 +6323,11 @@
           <a:p>
             <a:r>
               <a:rPr lang="pl-PL" sz="2800" b="1" dirty="0"/>
-              <a:t>AFTER </a:t>
+              <a:t>ROLLBACK TRAN in </a:t>
             </a:r>
             <a:r>
               <a:rPr lang="pl-PL" sz="2800" b="1" dirty="0" err="1"/>
-              <a:t>Triggers</a:t>
+              <a:t>Trigger</a:t>
             </a:r>
             <a:endParaRPr lang="en-US" sz="2800" b="1" dirty="0"/>
           </a:p>
@@ -5181,25 +6337,57 @@
           <a:p>
             <a:r>
               <a:rPr lang="en-US" dirty="0"/>
-              <a:t>AFTER triggers can only be defined for tables. In an AFTER trigger, the trigger code executes</a:t>
-            </a:r>
-          </a:p>
-          <a:p>
+              <a:t>Issuing a ROLLBACK TRAN command within the trigger’s code causes a rollback of all</a:t>
+            </a:r>
+            <a:r>
+              <a:rPr lang="pl-PL" dirty="0"/>
+              <a:t> </a:t>
+            </a:r>
             <a:r>
               <a:rPr lang="en-US" dirty="0"/>
-              <a:t>after the DML statement has passed all constraints, such as a primary or foreign key constraint,</a:t>
-            </a:r>
-          </a:p>
-          <a:p>
+              <a:t>changes that took place in the trigger, </a:t>
+            </a:r>
+            <a:r>
+              <a:rPr lang="en-US" b="1" dirty="0"/>
+              <a:t>in addition to rolling back the original DML statement</a:t>
+            </a:r>
+            <a:r>
+              <a:rPr lang="pl-PL" b="1" dirty="0"/>
+              <a:t> </a:t>
+            </a:r>
+            <a:r>
+              <a:rPr lang="en-US" b="1" dirty="0"/>
+              <a:t>to which the trigger is attached</a:t>
+            </a:r>
             <a:r>
               <a:rPr lang="en-US" dirty="0"/>
-              <a:t>a unique constraint, or a check constraint. If the constraint is violated, the statement</a:t>
-            </a:r>
+              <a:t>.</a:t>
+            </a:r>
+            <a:endParaRPr lang="pl-PL" dirty="0"/>
+          </a:p>
+          <a:p>
+            <a:endParaRPr lang="pl-PL" dirty="0"/>
           </a:p>
           <a:p>
             <a:r>
               <a:rPr lang="en-US" dirty="0"/>
-              <a:t>fails and the trigger is not executed.</a:t>
+              <a:t>However, using a ROLLBACK TRAN in a trigger can have</a:t>
+            </a:r>
+            <a:r>
+              <a:rPr lang="pl-PL" dirty="0"/>
+              <a:t> </a:t>
+            </a:r>
+            <a:r>
+              <a:rPr lang="en-US" dirty="0"/>
+              <a:t>some unwanted side effects. Instead, you can issue THROW or RAISERROR and control the</a:t>
+            </a:r>
+            <a:r>
+              <a:rPr lang="pl-PL" dirty="0"/>
+              <a:t> </a:t>
+            </a:r>
+            <a:r>
+              <a:rPr lang="en-US" dirty="0"/>
+              <a:t>failure by using your standard error handling routines.</a:t>
             </a:r>
             <a:endParaRPr lang="pl-PL" dirty="0"/>
           </a:p>
@@ -5264,7 +6452,7 @@
     </p:spTree>
     <p:extLst>
       <p:ext uri="{BB962C8B-B14F-4D97-AF65-F5344CB8AC3E}">
-        <p14:creationId xmlns:p14="http://schemas.microsoft.com/office/powerpoint/2010/main" val="3512180097"/>
+        <p14:creationId xmlns:p14="http://schemas.microsoft.com/office/powerpoint/2010/main" val="1480033389"/>
       </p:ext>
     </p:extLst>
   </p:cSld>
@@ -5300,7 +6488,7 @@
         <p:spPr>
           <a:xfrm>
             <a:off x="489706" y="624631"/>
-            <a:ext cx="10374037" cy="1908215"/>
+            <a:ext cx="10374037" cy="3847207"/>
           </a:xfrm>
           <a:prstGeom prst="rect">
             <a:avLst/>
@@ -5315,15 +6503,19 @@
           <a:p>
             <a:r>
               <a:rPr lang="pl-PL" sz="2800" b="1" dirty="0" err="1"/>
-              <a:t>Nested</a:t>
+              <a:t>inserted</a:t>
             </a:r>
             <a:r>
               <a:rPr lang="pl-PL" sz="2800" b="1" dirty="0"/>
-              <a:t> AFTER </a:t>
+              <a:t>/</a:t>
             </a:r>
             <a:r>
               <a:rPr lang="pl-PL" sz="2800" b="1" dirty="0" err="1"/>
-              <a:t>Triggers</a:t>
+              <a:t>deleted</a:t>
+            </a:r>
+            <a:r>
+              <a:rPr lang="pl-PL" sz="2800" b="1" dirty="0"/>
+              <a:t> TABLES</a:t>
             </a:r>
             <a:endParaRPr lang="en-US" sz="2800" b="1" dirty="0"/>
           </a:p>
@@ -5332,12 +6524,8 @@
           </a:p>
           <a:p>
             <a:r>
-              <a:rPr lang="pl-PL" dirty="0"/>
-              <a:t>A</a:t>
-            </a:r>
-            <a:r>
               <a:rPr lang="en-US" dirty="0"/>
-              <a:t>FTER triggers can be nested—that is, you can have a trigger on Table A that updates Table</a:t>
+              <a:t>In the T-SQL code for both types of DML triggers, you can access tables that are named</a:t>
             </a:r>
             <a:r>
               <a:rPr lang="pl-PL" dirty="0"/>
@@ -5345,7 +6533,7 @@
             </a:r>
             <a:r>
               <a:rPr lang="en-US" dirty="0"/>
-              <a:t>B. Then Table B may have a trigger that is executed as well. The maximum depth of nested</a:t>
+              <a:t>inserted and</a:t>
             </a:r>
             <a:r>
               <a:rPr lang="pl-PL" dirty="0"/>
@@ -5353,7 +6541,7 @@
             </a:r>
             <a:r>
               <a:rPr lang="en-US" dirty="0"/>
-              <a:t>trigger executions is 32. If the nesting is circular (Table A's trigger fires Table B's trigger, which</a:t>
+              <a:t>deleted. These tables contain the rows that were affected by the modification</a:t>
             </a:r>
             <a:r>
               <a:rPr lang="pl-PL" dirty="0"/>
@@ -5361,7 +6549,95 @@
             </a:r>
             <a:r>
               <a:rPr lang="en-US" dirty="0"/>
-              <a:t>fires Table C's trigger, which fires Table A's trigger, and so on), the maximum level of 32 will be</a:t>
+              <a:t>that caused the trigger to fire. </a:t>
+            </a:r>
+            <a:endParaRPr lang="pl-PL" dirty="0"/>
+          </a:p>
+          <a:p>
+            <a:endParaRPr lang="pl-PL" dirty="0"/>
+          </a:p>
+          <a:p>
+            <a:r>
+              <a:rPr lang="en-US" b="1" dirty="0"/>
+              <a:t>The inserted table </a:t>
+            </a:r>
+            <a:endParaRPr lang="pl-PL" b="1" dirty="0" smtClean="0"/>
+          </a:p>
+          <a:p>
+            <a:r>
+              <a:rPr lang="pl-PL" i="1" dirty="0"/>
+              <a:t>	</a:t>
+            </a:r>
+            <a:r>
+              <a:rPr lang="en-US" i="1" dirty="0" smtClean="0"/>
+              <a:t>holds </a:t>
+            </a:r>
+            <a:r>
+              <a:rPr lang="en-US" i="1" dirty="0"/>
+              <a:t>the new image of the affected rows</a:t>
+            </a:r>
+            <a:r>
+              <a:rPr lang="pl-PL" i="1" dirty="0"/>
+              <a:t> </a:t>
+            </a:r>
+            <a:r>
+              <a:rPr lang="en-US" i="1" dirty="0"/>
+              <a:t>in the case of INSERT and UPDATE </a:t>
+            </a:r>
+            <a:r>
+              <a:rPr lang="en-US" i="1" dirty="0" smtClean="0"/>
+              <a:t>statements</a:t>
+            </a:r>
+            <a:endParaRPr lang="pl-PL" i="1" dirty="0" smtClean="0"/>
+          </a:p>
+          <a:p>
+            <a:endParaRPr lang="pl-PL" dirty="0"/>
+          </a:p>
+          <a:p>
+            <a:r>
+              <a:rPr lang="en-US" b="1" dirty="0" smtClean="0"/>
+              <a:t>The </a:t>
+            </a:r>
+            <a:r>
+              <a:rPr lang="en-US" b="1" dirty="0"/>
+              <a:t>deleted table </a:t>
+            </a:r>
+            <a:endParaRPr lang="pl-PL" b="1" dirty="0" smtClean="0"/>
+          </a:p>
+          <a:p>
+            <a:r>
+              <a:rPr lang="pl-PL" i="1" dirty="0"/>
+              <a:t>	</a:t>
+            </a:r>
+            <a:r>
+              <a:rPr lang="en-US" i="1" dirty="0" smtClean="0"/>
+              <a:t>holds </a:t>
+            </a:r>
+            <a:r>
+              <a:rPr lang="en-US" i="1" dirty="0"/>
+              <a:t>the old image of the</a:t>
+            </a:r>
+            <a:r>
+              <a:rPr lang="pl-PL" i="1" dirty="0"/>
+              <a:t> </a:t>
+            </a:r>
+            <a:r>
+              <a:rPr lang="en-US" i="1" dirty="0"/>
+              <a:t>affected rows in the case of DELETE and UPDATE </a:t>
+            </a:r>
+            <a:r>
+              <a:rPr lang="en-US" i="1" dirty="0" smtClean="0"/>
+              <a:t>statements</a:t>
+            </a:r>
+            <a:endParaRPr lang="pl-PL" i="1" dirty="0"/>
+          </a:p>
+          <a:p>
+            <a:endParaRPr lang="pl-PL" dirty="0"/>
+          </a:p>
+          <a:p>
+            <a:r>
+              <a:rPr lang="en-US" dirty="0"/>
+              <a:t>In the case of INSTEAD OF triggers,</a:t>
             </a:r>
             <a:r>
               <a:rPr lang="pl-PL" dirty="0"/>
@@ -5369,7 +6645,15 @@
             </a:r>
             <a:r>
               <a:rPr lang="en-US" dirty="0"/>
-              <a:t>reached and the trigger execution will stop.</a:t>
+              <a:t>the inserted and deleted tables contain the rows that would be affected by the DML</a:t>
+            </a:r>
+            <a:r>
+              <a:rPr lang="pl-PL" dirty="0"/>
+              <a:t> </a:t>
+            </a:r>
+            <a:r>
+              <a:rPr lang="en-US" dirty="0"/>
+              <a:t>statement.</a:t>
             </a:r>
             <a:endParaRPr lang="pl-PL" dirty="0"/>
           </a:p>
@@ -5434,7 +6718,7 @@
     </p:spTree>
     <p:extLst>
       <p:ext uri="{BB962C8B-B14F-4D97-AF65-F5344CB8AC3E}">
-        <p14:creationId xmlns:p14="http://schemas.microsoft.com/office/powerpoint/2010/main" val="1040898400"/>
+        <p14:creationId xmlns:p14="http://schemas.microsoft.com/office/powerpoint/2010/main" val="294584839"/>
       </p:ext>
     </p:extLst>
   </p:cSld>
@@ -5470,7 +6754,7 @@
         <p:spPr>
           <a:xfrm>
             <a:off x="489706" y="624631"/>
-            <a:ext cx="10374037" cy="3570208"/>
+            <a:ext cx="10374037" cy="1908215"/>
           </a:xfrm>
           <a:prstGeom prst="rect">
             <a:avLst/>
@@ -5485,7 +6769,7 @@
           <a:p>
             <a:r>
               <a:rPr lang="pl-PL" sz="2800" b="1" dirty="0"/>
-              <a:t>INSTEAD OF </a:t>
+              <a:t>AFTER </a:t>
             </a:r>
             <a:r>
               <a:rPr lang="pl-PL" sz="2800" b="1" dirty="0" err="1"/>
@@ -5499,83 +6783,25 @@
           <a:p>
             <a:r>
               <a:rPr lang="en-US" dirty="0"/>
-              <a:t>The INSTEAD OF trigger executes a batch of T-SQL code instead of the </a:t>
-            </a:r>
-            <a:r>
-              <a:rPr lang="en-US" b="1" dirty="0"/>
-              <a:t>INSERT, UPDATE, or</a:t>
-            </a:r>
-            <a:r>
-              <a:rPr lang="pl-PL" b="1" dirty="0"/>
-              <a:t> </a:t>
-            </a:r>
-            <a:r>
-              <a:rPr lang="en-US" b="1" dirty="0"/>
-              <a:t>DELETE </a:t>
-            </a:r>
+              <a:t>AFTER triggers can only be defined for tables. In an AFTER trigger, the trigger code executes</a:t>
+            </a:r>
+          </a:p>
+          <a:p>
             <a:r>
               <a:rPr lang="en-US" dirty="0"/>
-              <a:t>statement. You can reissue the statement later in the code.</a:t>
-            </a:r>
-            <a:endParaRPr lang="pl-PL" dirty="0"/>
-          </a:p>
-          <a:p>
-            <a:endParaRPr lang="en-US" dirty="0"/>
+              <a:t>after the DML statement has passed all constraints, such as a primary or foreign key constraint,</a:t>
+            </a:r>
           </a:p>
           <a:p>
             <a:r>
               <a:rPr lang="en-US" dirty="0"/>
-              <a:t>Although INSTEAD OF triggers can be created against both tables and views, they are</a:t>
-            </a:r>
-            <a:r>
-              <a:rPr lang="pl-PL" dirty="0"/>
-              <a:t> </a:t>
-            </a:r>
+              <a:t>a unique constraint, or a check constraint. If the constraint is violated, the statement</a:t>
+            </a:r>
+          </a:p>
+          <a:p>
             <a:r>
               <a:rPr lang="en-US" dirty="0"/>
-              <a:t>commonly used with views. The reason is that when you send an UPDATE statement against a</a:t>
-            </a:r>
-            <a:r>
-              <a:rPr lang="pl-PL" dirty="0"/>
-              <a:t> </a:t>
-            </a:r>
-            <a:r>
-              <a:rPr lang="en-US" dirty="0"/>
-              <a:t>view, only one base table can be updated at a time. In addition, the view may have aggregations</a:t>
-            </a:r>
-            <a:r>
-              <a:rPr lang="pl-PL" dirty="0"/>
-              <a:t> </a:t>
-            </a:r>
-            <a:r>
-              <a:rPr lang="en-US" dirty="0"/>
-              <a:t>or functions on columns that prevent a direct update.</a:t>
-            </a:r>
-            <a:endParaRPr lang="pl-PL" dirty="0"/>
-          </a:p>
-          <a:p>
-            <a:endParaRPr lang="pl-PL" dirty="0"/>
-          </a:p>
-          <a:p>
-            <a:r>
-              <a:rPr lang="en-US" dirty="0"/>
-              <a:t>An INSTEAD OF trigger can take</a:t>
-            </a:r>
-            <a:r>
-              <a:rPr lang="pl-PL" dirty="0"/>
-              <a:t> </a:t>
-            </a:r>
-            <a:r>
-              <a:rPr lang="en-US" dirty="0"/>
-              <a:t>that UPDATE statement against the view and instead of executing it, replace it with two or</a:t>
-            </a:r>
-            <a:r>
-              <a:rPr lang="pl-PL" dirty="0"/>
-              <a:t> </a:t>
-            </a:r>
-            <a:r>
-              <a:rPr lang="en-US" dirty="0"/>
-              <a:t>more UPDATE statements against the base tables of the view.</a:t>
+              <a:t>fails and the trigger is not executed.</a:t>
             </a:r>
             <a:endParaRPr lang="pl-PL" dirty="0"/>
           </a:p>
@@ -5640,7 +6866,7 @@
     </p:spTree>
     <p:extLst>
       <p:ext uri="{BB962C8B-B14F-4D97-AF65-F5344CB8AC3E}">
-        <p14:creationId xmlns:p14="http://schemas.microsoft.com/office/powerpoint/2010/main" val="2815241566"/>
+        <p14:creationId xmlns:p14="http://schemas.microsoft.com/office/powerpoint/2010/main" val="3512180097"/>
       </p:ext>
     </p:extLst>
   </p:cSld>
